--- a/Data_Engineering/Finding_Data.pptx
+++ b/Data_Engineering/Finding_Data.pptx
@@ -19,16 +19,23 @@
     <p:sldId id="264" r:id="rId14"/>
     <p:sldId id="265" r:id="rId15"/>
     <p:sldId id="266" r:id="rId16"/>
+    <p:sldId id="267" r:id="rId17"/>
+    <p:sldId id="268" r:id="rId18"/>
   </p:sldIdLst>
   <p:sldSz cy="5143500" cx="9144000"/>
   <p:notesSz cx="6858000" cy="9144000"/>
   <p:embeddedFontLst>
     <p:embeddedFont>
+      <p:font typeface="Roboto Black"/>
+      <p:bold r:id="rId19"/>
+      <p:boldItalic r:id="rId20"/>
+    </p:embeddedFont>
+    <p:embeddedFont>
       <p:font typeface="Roboto"/>
-      <p:regular r:id="rId17"/>
-      <p:bold r:id="rId18"/>
-      <p:italic r:id="rId19"/>
-      <p:boldItalic r:id="rId20"/>
+      <p:regular r:id="rId21"/>
+      <p:bold r:id="rId22"/>
+      <p:italic r:id="rId23"/>
+      <p:boldItalic r:id="rId24"/>
     </p:embeddedFont>
   </p:embeddedFontLst>
   <p:defaultTextStyle>
@@ -809,7 +816,7 @@
   <p:cSld>
     <p:spTree>
       <p:nvGrpSpPr>
-        <p:cNvPr id="122" name="Shape 122"/>
+        <p:cNvPr id="140" name="Shape 140"/>
         <p:cNvGrpSpPr/>
         <p:nvPr/>
       </p:nvGrpSpPr>
@@ -823,7 +830,7 @@
       </p:grpSpPr>
       <p:sp>
         <p:nvSpPr>
-          <p:cNvPr id="123" name="Google Shape;123;g1ee193c47d5_0_306:notes"/>
+          <p:cNvPr id="141" name="Google Shape;141;g1ee193c47d5_0_296:notes"/>
           <p:cNvSpPr/>
           <p:nvPr>
             <p:ph idx="2" type="sldImg"/>
@@ -858,7 +865,7 @@
       </p:sp>
       <p:sp>
         <p:nvSpPr>
-          <p:cNvPr id="124" name="Google Shape;124;g1ee193c47d5_0_306:notes"/>
+          <p:cNvPr id="142" name="Google Shape;142;g1ee193c47d5_0_296:notes"/>
           <p:cNvSpPr txBox="1"/>
           <p:nvPr>
             <p:ph idx="1" type="body"/>
@@ -908,7 +915,7 @@
   <p:cSld>
     <p:spTree>
       <p:nvGrpSpPr>
-        <p:cNvPr id="131" name="Shape 131"/>
+        <p:cNvPr id="147" name="Shape 147"/>
         <p:cNvGrpSpPr/>
         <p:nvPr/>
       </p:nvGrpSpPr>
@@ -922,7 +929,7 @@
       </p:grpSpPr>
       <p:sp>
         <p:nvSpPr>
-          <p:cNvPr id="132" name="Google Shape;132;g1ee193c47d5_0_311:notes"/>
+          <p:cNvPr id="148" name="Google Shape;148;g1ee193c47d5_0_301:notes"/>
           <p:cNvSpPr/>
           <p:nvPr>
             <p:ph idx="2" type="sldImg"/>
@@ -957,7 +964,7 @@
       </p:sp>
       <p:sp>
         <p:nvSpPr>
-          <p:cNvPr id="133" name="Google Shape;133;g1ee193c47d5_0_311:notes"/>
+          <p:cNvPr id="149" name="Google Shape;149;g1ee193c47d5_0_301:notes"/>
           <p:cNvSpPr txBox="1"/>
           <p:nvPr>
             <p:ph idx="1" type="body"/>
@@ -1002,12 +1009,12 @@
 </p:notes>
 </file>
 
-<file path=ppt/notesSlides/notesSlide2.xml><?xml version="1.0" encoding="utf-8"?>
+<file path=ppt/notesSlides/notesSlide12.xml><?xml version="1.0" encoding="utf-8"?>
 <p:notes xmlns:a="http://schemas.openxmlformats.org/drawingml/2006/main" xmlns:r="http://schemas.openxmlformats.org/officeDocument/2006/relationships" xmlns:mc="http://schemas.openxmlformats.org/markup-compatibility/2006" xmlns:mv="urn:schemas-microsoft-com:mac:vml" xmlns:p="http://schemas.openxmlformats.org/presentationml/2006/main" xmlns:c="http://schemas.openxmlformats.org/drawingml/2006/chart" xmlns:dgm="http://schemas.openxmlformats.org/drawingml/2006/diagram" xmlns:o="urn:schemas-microsoft-com:office:office" xmlns:v="urn:schemas-microsoft-com:vml" xmlns:pvml="urn:schemas-microsoft-com:office:powerpoint" xmlns:com="http://schemas.openxmlformats.org/drawingml/2006/compatibility" xmlns:p14="http://schemas.microsoft.com/office/powerpoint/2010/main" xmlns:p15="http://schemas.microsoft.com/office/powerpoint/2012/main" xmlns:ahyp="http://schemas.microsoft.com/office/drawing/2018/hyperlinkcolor" showMasterPhAnim="0" showMasterSp="0">
   <p:cSld>
     <p:spTree>
       <p:nvGrpSpPr>
-        <p:cNvPr id="68" name="Shape 68"/>
+        <p:cNvPr id="154" name="Shape 154"/>
         <p:cNvGrpSpPr/>
         <p:nvPr/>
       </p:nvGrpSpPr>
@@ -1021,7 +1028,7 @@
       </p:grpSpPr>
       <p:sp>
         <p:nvSpPr>
-          <p:cNvPr id="69" name="Google Shape;69;g1ee193c47d5_0_230:notes"/>
+          <p:cNvPr id="155" name="Google Shape;155;g1ee193c47d5_0_306:notes"/>
           <p:cNvSpPr/>
           <p:nvPr>
             <p:ph idx="2" type="sldImg"/>
@@ -1056,7 +1063,7 @@
       </p:sp>
       <p:sp>
         <p:nvSpPr>
-          <p:cNvPr id="70" name="Google Shape;70;g1ee193c47d5_0_230:notes"/>
+          <p:cNvPr id="156" name="Google Shape;156;g1ee193c47d5_0_306:notes"/>
           <p:cNvSpPr txBox="1"/>
           <p:nvPr>
             <p:ph idx="1" type="body"/>
@@ -1101,12 +1108,12 @@
 </p:notes>
 </file>
 
-<file path=ppt/notesSlides/notesSlide3.xml><?xml version="1.0" encoding="utf-8"?>
+<file path=ppt/notesSlides/notesSlide13.xml><?xml version="1.0" encoding="utf-8"?>
 <p:notes xmlns:a="http://schemas.openxmlformats.org/drawingml/2006/main" xmlns:r="http://schemas.openxmlformats.org/officeDocument/2006/relationships" xmlns:mc="http://schemas.openxmlformats.org/markup-compatibility/2006" xmlns:mv="urn:schemas-microsoft-com:mac:vml" xmlns:p="http://schemas.openxmlformats.org/presentationml/2006/main" xmlns:c="http://schemas.openxmlformats.org/drawingml/2006/chart" xmlns:dgm="http://schemas.openxmlformats.org/drawingml/2006/diagram" xmlns:o="urn:schemas-microsoft-com:office:office" xmlns:v="urn:schemas-microsoft-com:vml" xmlns:pvml="urn:schemas-microsoft-com:office:powerpoint" xmlns:com="http://schemas.openxmlformats.org/drawingml/2006/compatibility" xmlns:p14="http://schemas.microsoft.com/office/powerpoint/2010/main" xmlns:p15="http://schemas.microsoft.com/office/powerpoint/2012/main" xmlns:ahyp="http://schemas.microsoft.com/office/drawing/2018/hyperlinkcolor" showMasterPhAnim="0" showMasterSp="0">
   <p:cSld>
     <p:spTree>
       <p:nvGrpSpPr>
-        <p:cNvPr id="75" name="Shape 75"/>
+        <p:cNvPr id="163" name="Shape 163"/>
         <p:cNvGrpSpPr/>
         <p:nvPr/>
       </p:nvGrpSpPr>
@@ -1120,7 +1127,7 @@
       </p:grpSpPr>
       <p:sp>
         <p:nvSpPr>
-          <p:cNvPr id="76" name="Google Shape;76;g1ee193c47d5_0_251:notes"/>
+          <p:cNvPr id="164" name="Google Shape;164;g1ee193c47d5_0_311:notes"/>
           <p:cNvSpPr/>
           <p:nvPr>
             <p:ph idx="2" type="sldImg"/>
@@ -1155,7 +1162,7 @@
       </p:sp>
       <p:sp>
         <p:nvSpPr>
-          <p:cNvPr id="77" name="Google Shape;77;g1ee193c47d5_0_251:notes"/>
+          <p:cNvPr id="165" name="Google Shape;165;g1ee193c47d5_0_311:notes"/>
           <p:cNvSpPr txBox="1"/>
           <p:nvPr>
             <p:ph idx="1" type="body"/>
@@ -1200,12 +1207,12 @@
 </p:notes>
 </file>
 
-<file path=ppt/notesSlides/notesSlide4.xml><?xml version="1.0" encoding="utf-8"?>
+<file path=ppt/notesSlides/notesSlide2.xml><?xml version="1.0" encoding="utf-8"?>
 <p:notes xmlns:a="http://schemas.openxmlformats.org/drawingml/2006/main" xmlns:r="http://schemas.openxmlformats.org/officeDocument/2006/relationships" xmlns:mc="http://schemas.openxmlformats.org/markup-compatibility/2006" xmlns:mv="urn:schemas-microsoft-com:mac:vml" xmlns:p="http://schemas.openxmlformats.org/presentationml/2006/main" xmlns:c="http://schemas.openxmlformats.org/drawingml/2006/chart" xmlns:dgm="http://schemas.openxmlformats.org/drawingml/2006/diagram" xmlns:o="urn:schemas-microsoft-com:office:office" xmlns:v="urn:schemas-microsoft-com:vml" xmlns:pvml="urn:schemas-microsoft-com:office:powerpoint" xmlns:com="http://schemas.openxmlformats.org/drawingml/2006/compatibility" xmlns:p14="http://schemas.microsoft.com/office/powerpoint/2010/main" xmlns:p15="http://schemas.microsoft.com/office/powerpoint/2012/main" xmlns:ahyp="http://schemas.microsoft.com/office/drawing/2018/hyperlinkcolor" showMasterPhAnim="0" showMasterSp="0">
   <p:cSld>
     <p:spTree>
       <p:nvGrpSpPr>
-        <p:cNvPr id="81" name="Shape 81"/>
+        <p:cNvPr id="69" name="Shape 69"/>
         <p:cNvGrpSpPr/>
         <p:nvPr/>
       </p:nvGrpSpPr>
@@ -1219,7 +1226,7 @@
       </p:grpSpPr>
       <p:sp>
         <p:nvSpPr>
-          <p:cNvPr id="82" name="Google Shape;82;g1ee193c47d5_0_257:notes"/>
+          <p:cNvPr id="70" name="Google Shape;70;g2032bbcf10e_0_9:notes"/>
           <p:cNvSpPr/>
           <p:nvPr>
             <p:ph idx="2" type="sldImg"/>
@@ -1254,7 +1261,7 @@
       </p:sp>
       <p:sp>
         <p:nvSpPr>
-          <p:cNvPr id="83" name="Google Shape;83;g1ee193c47d5_0_257:notes"/>
+          <p:cNvPr id="71" name="Google Shape;71;g2032bbcf10e_0_9:notes"/>
           <p:cNvSpPr txBox="1"/>
           <p:nvPr>
             <p:ph idx="1" type="body"/>
@@ -1299,12 +1306,12 @@
 </p:notes>
 </file>
 
-<file path=ppt/notesSlides/notesSlide5.xml><?xml version="1.0" encoding="utf-8"?>
+<file path=ppt/notesSlides/notesSlide3.xml><?xml version="1.0" encoding="utf-8"?>
 <p:notes xmlns:a="http://schemas.openxmlformats.org/drawingml/2006/main" xmlns:r="http://schemas.openxmlformats.org/officeDocument/2006/relationships" xmlns:mc="http://schemas.openxmlformats.org/markup-compatibility/2006" xmlns:mv="urn:schemas-microsoft-com:mac:vml" xmlns:p="http://schemas.openxmlformats.org/presentationml/2006/main" xmlns:c="http://schemas.openxmlformats.org/drawingml/2006/chart" xmlns:dgm="http://schemas.openxmlformats.org/drawingml/2006/diagram" xmlns:o="urn:schemas-microsoft-com:office:office" xmlns:v="urn:schemas-microsoft-com:vml" xmlns:pvml="urn:schemas-microsoft-com:office:powerpoint" xmlns:com="http://schemas.openxmlformats.org/drawingml/2006/compatibility" xmlns:p14="http://schemas.microsoft.com/office/powerpoint/2010/main" xmlns:p15="http://schemas.microsoft.com/office/powerpoint/2012/main" xmlns:ahyp="http://schemas.microsoft.com/office/drawing/2018/hyperlinkcolor" showMasterPhAnim="0" showMasterSp="0">
   <p:cSld>
     <p:spTree>
       <p:nvGrpSpPr>
-        <p:cNvPr id="87" name="Shape 87"/>
+        <p:cNvPr id="95" name="Shape 95"/>
         <p:cNvGrpSpPr/>
         <p:nvPr/>
       </p:nvGrpSpPr>
@@ -1318,7 +1325,7 @@
       </p:grpSpPr>
       <p:sp>
         <p:nvSpPr>
-          <p:cNvPr id="88" name="Google Shape;88;g1ee193c47d5_0_263:notes"/>
+          <p:cNvPr id="96" name="Google Shape;96;g2032bbcf10e_0_0:notes"/>
           <p:cNvSpPr/>
           <p:nvPr>
             <p:ph idx="2" type="sldImg"/>
@@ -1353,7 +1360,7 @@
       </p:sp>
       <p:sp>
         <p:nvSpPr>
-          <p:cNvPr id="89" name="Google Shape;89;g1ee193c47d5_0_263:notes"/>
+          <p:cNvPr id="97" name="Google Shape;97;g2032bbcf10e_0_0:notes"/>
           <p:cNvSpPr txBox="1"/>
           <p:nvPr>
             <p:ph idx="1" type="body"/>
@@ -1398,12 +1405,12 @@
 </p:notes>
 </file>
 
-<file path=ppt/notesSlides/notesSlide6.xml><?xml version="1.0" encoding="utf-8"?>
+<file path=ppt/notesSlides/notesSlide4.xml><?xml version="1.0" encoding="utf-8"?>
 <p:notes xmlns:a="http://schemas.openxmlformats.org/drawingml/2006/main" xmlns:r="http://schemas.openxmlformats.org/officeDocument/2006/relationships" xmlns:mc="http://schemas.openxmlformats.org/markup-compatibility/2006" xmlns:mv="urn:schemas-microsoft-com:mac:vml" xmlns:p="http://schemas.openxmlformats.org/presentationml/2006/main" xmlns:c="http://schemas.openxmlformats.org/drawingml/2006/chart" xmlns:dgm="http://schemas.openxmlformats.org/drawingml/2006/diagram" xmlns:o="urn:schemas-microsoft-com:office:office" xmlns:v="urn:schemas-microsoft-com:vml" xmlns:pvml="urn:schemas-microsoft-com:office:powerpoint" xmlns:com="http://schemas.openxmlformats.org/drawingml/2006/compatibility" xmlns:p14="http://schemas.microsoft.com/office/powerpoint/2010/main" xmlns:p15="http://schemas.microsoft.com/office/powerpoint/2012/main" xmlns:ahyp="http://schemas.microsoft.com/office/drawing/2018/hyperlinkcolor" showMasterPhAnim="0" showMasterSp="0">
   <p:cSld>
     <p:spTree>
       <p:nvGrpSpPr>
-        <p:cNvPr id="93" name="Shape 93"/>
+        <p:cNvPr id="100" name="Shape 100"/>
         <p:cNvGrpSpPr/>
         <p:nvPr/>
       </p:nvGrpSpPr>
@@ -1417,7 +1424,7 @@
       </p:grpSpPr>
       <p:sp>
         <p:nvSpPr>
-          <p:cNvPr id="94" name="Google Shape;94;g1ee193c47d5_0_269:notes"/>
+          <p:cNvPr id="101" name="Google Shape;101;g1ee193c47d5_0_230:notes"/>
           <p:cNvSpPr/>
           <p:nvPr>
             <p:ph idx="2" type="sldImg"/>
@@ -1452,7 +1459,7 @@
       </p:sp>
       <p:sp>
         <p:nvSpPr>
-          <p:cNvPr id="95" name="Google Shape;95;g1ee193c47d5_0_269:notes"/>
+          <p:cNvPr id="102" name="Google Shape;102;g1ee193c47d5_0_230:notes"/>
           <p:cNvSpPr txBox="1"/>
           <p:nvPr>
             <p:ph idx="1" type="body"/>
@@ -1474,11 +1481,8 @@
           <a:lstStyle/>
           <a:p>
             <a:pPr indent="0" lvl="0" marL="0" rtl="0" algn="l">
-              <a:lnSpc>
-                <a:spcPct val="115000"/>
-              </a:lnSpc>
-              <a:spcBef>
-                <a:spcPts val="2900"/>
+              <a:spcBef>
+                <a:spcPts val="0"/>
               </a:spcBef>
               <a:spcAft>
                 <a:spcPts val="0"/>
@@ -1488,70 +1492,7 @@
             <a:r>
               <a:t/>
             </a:r>
-            <a:endParaRPr sz="1200">
-              <a:solidFill>
-                <a:srgbClr val="374151"/>
-              </a:solidFill>
-              <a:highlight>
-                <a:srgbClr val="F7F7F8"/>
-              </a:highlight>
-              <a:latin typeface="Roboto"/>
-              <a:ea typeface="Roboto"/>
-              <a:cs typeface="Roboto"/>
-              <a:sym typeface="Roboto"/>
-            </a:endParaRPr>
-          </a:p>
-          <a:p>
-            <a:pPr indent="0" lvl="0" marL="0" rtl="0" algn="l">
-              <a:spcBef>
-                <a:spcPts val="2900"/>
-              </a:spcBef>
-              <a:spcAft>
-                <a:spcPts val="0"/>
-              </a:spcAft>
-              <a:buNone/>
-            </a:pPr>
-            <a:r>
-              <a:t/>
-            </a:r>
-            <a:endParaRPr sz="1200">
-              <a:solidFill>
-                <a:srgbClr val="374151"/>
-              </a:solidFill>
-              <a:highlight>
-                <a:srgbClr val="F7F7F8"/>
-              </a:highlight>
-              <a:latin typeface="Roboto"/>
-              <a:ea typeface="Roboto"/>
-              <a:cs typeface="Roboto"/>
-              <a:sym typeface="Roboto"/>
-            </a:endParaRPr>
-          </a:p>
-          <a:p>
-            <a:pPr indent="0" lvl="0" marL="0" rtl="0" algn="l">
-              <a:spcBef>
-                <a:spcPts val="0"/>
-              </a:spcBef>
-              <a:spcAft>
-                <a:spcPts val="0"/>
-              </a:spcAft>
-              <a:buNone/>
-            </a:pPr>
-            <a:r>
-              <a:t/>
-            </a:r>
-            <a:endParaRPr sz="1200">
-              <a:solidFill>
-                <a:srgbClr val="374151"/>
-              </a:solidFill>
-              <a:highlight>
-                <a:srgbClr val="F7F7F8"/>
-              </a:highlight>
-              <a:latin typeface="Roboto"/>
-              <a:ea typeface="Roboto"/>
-              <a:cs typeface="Roboto"/>
-              <a:sym typeface="Roboto"/>
-            </a:endParaRPr>
+            <a:endParaRPr/>
           </a:p>
         </p:txBody>
       </p:sp>
@@ -1563,12 +1504,12 @@
 </p:notes>
 </file>
 
-<file path=ppt/notesSlides/notesSlide7.xml><?xml version="1.0" encoding="utf-8"?>
+<file path=ppt/notesSlides/notesSlide5.xml><?xml version="1.0" encoding="utf-8"?>
 <p:notes xmlns:a="http://schemas.openxmlformats.org/drawingml/2006/main" xmlns:r="http://schemas.openxmlformats.org/officeDocument/2006/relationships" xmlns:mc="http://schemas.openxmlformats.org/markup-compatibility/2006" xmlns:mv="urn:schemas-microsoft-com:mac:vml" xmlns:p="http://schemas.openxmlformats.org/presentationml/2006/main" xmlns:c="http://schemas.openxmlformats.org/drawingml/2006/chart" xmlns:dgm="http://schemas.openxmlformats.org/drawingml/2006/diagram" xmlns:o="urn:schemas-microsoft-com:office:office" xmlns:v="urn:schemas-microsoft-com:vml" xmlns:pvml="urn:schemas-microsoft-com:office:powerpoint" xmlns:com="http://schemas.openxmlformats.org/drawingml/2006/compatibility" xmlns:p14="http://schemas.microsoft.com/office/powerpoint/2010/main" xmlns:p15="http://schemas.microsoft.com/office/powerpoint/2012/main" xmlns:ahyp="http://schemas.microsoft.com/office/drawing/2018/hyperlinkcolor" showMasterPhAnim="0" showMasterSp="0">
   <p:cSld>
     <p:spTree>
       <p:nvGrpSpPr>
-        <p:cNvPr id="99" name="Shape 99"/>
+        <p:cNvPr id="107" name="Shape 107"/>
         <p:cNvGrpSpPr/>
         <p:nvPr/>
       </p:nvGrpSpPr>
@@ -1582,7 +1523,7 @@
       </p:grpSpPr>
       <p:sp>
         <p:nvSpPr>
-          <p:cNvPr id="100" name="Google Shape;100;g1ee193c47d5_0_291:notes"/>
+          <p:cNvPr id="108" name="Google Shape;108;g1ee193c47d5_0_251:notes"/>
           <p:cNvSpPr/>
           <p:nvPr>
             <p:ph idx="2" type="sldImg"/>
@@ -1617,7 +1558,7 @@
       </p:sp>
       <p:sp>
         <p:nvSpPr>
-          <p:cNvPr id="101" name="Google Shape;101;g1ee193c47d5_0_291:notes"/>
+          <p:cNvPr id="109" name="Google Shape;109;g1ee193c47d5_0_251:notes"/>
           <p:cNvSpPr txBox="1"/>
           <p:nvPr>
             <p:ph idx="1" type="body"/>
@@ -1662,12 +1603,12 @@
 </p:notes>
 </file>
 
-<file path=ppt/notesSlides/notesSlide8.xml><?xml version="1.0" encoding="utf-8"?>
+<file path=ppt/notesSlides/notesSlide6.xml><?xml version="1.0" encoding="utf-8"?>
 <p:notes xmlns:a="http://schemas.openxmlformats.org/drawingml/2006/main" xmlns:r="http://schemas.openxmlformats.org/officeDocument/2006/relationships" xmlns:mc="http://schemas.openxmlformats.org/markup-compatibility/2006" xmlns:mv="urn:schemas-microsoft-com:mac:vml" xmlns:p="http://schemas.openxmlformats.org/presentationml/2006/main" xmlns:c="http://schemas.openxmlformats.org/drawingml/2006/chart" xmlns:dgm="http://schemas.openxmlformats.org/drawingml/2006/diagram" xmlns:o="urn:schemas-microsoft-com:office:office" xmlns:v="urn:schemas-microsoft-com:vml" xmlns:pvml="urn:schemas-microsoft-com:office:powerpoint" xmlns:com="http://schemas.openxmlformats.org/drawingml/2006/compatibility" xmlns:p14="http://schemas.microsoft.com/office/powerpoint/2010/main" xmlns:p15="http://schemas.microsoft.com/office/powerpoint/2012/main" xmlns:ahyp="http://schemas.microsoft.com/office/drawing/2018/hyperlinkcolor" showMasterPhAnim="0" showMasterSp="0">
   <p:cSld>
     <p:spTree>
       <p:nvGrpSpPr>
-        <p:cNvPr id="108" name="Shape 108"/>
+        <p:cNvPr id="113" name="Shape 113"/>
         <p:cNvGrpSpPr/>
         <p:nvPr/>
       </p:nvGrpSpPr>
@@ -1681,7 +1622,7 @@
       </p:grpSpPr>
       <p:sp>
         <p:nvSpPr>
-          <p:cNvPr id="109" name="Google Shape;109;g1ee193c47d5_0_296:notes"/>
+          <p:cNvPr id="114" name="Google Shape;114;g1ee193c47d5_0_257:notes"/>
           <p:cNvSpPr/>
           <p:nvPr>
             <p:ph idx="2" type="sldImg"/>
@@ -1716,7 +1657,7 @@
       </p:sp>
       <p:sp>
         <p:nvSpPr>
-          <p:cNvPr id="110" name="Google Shape;110;g1ee193c47d5_0_296:notes"/>
+          <p:cNvPr id="115" name="Google Shape;115;g1ee193c47d5_0_257:notes"/>
           <p:cNvSpPr txBox="1"/>
           <p:nvPr>
             <p:ph idx="1" type="body"/>
@@ -1761,12 +1702,12 @@
 </p:notes>
 </file>
 
-<file path=ppt/notesSlides/notesSlide9.xml><?xml version="1.0" encoding="utf-8"?>
+<file path=ppt/notesSlides/notesSlide7.xml><?xml version="1.0" encoding="utf-8"?>
 <p:notes xmlns:a="http://schemas.openxmlformats.org/drawingml/2006/main" xmlns:r="http://schemas.openxmlformats.org/officeDocument/2006/relationships" xmlns:mc="http://schemas.openxmlformats.org/markup-compatibility/2006" xmlns:mv="urn:schemas-microsoft-com:mac:vml" xmlns:p="http://schemas.openxmlformats.org/presentationml/2006/main" xmlns:c="http://schemas.openxmlformats.org/drawingml/2006/chart" xmlns:dgm="http://schemas.openxmlformats.org/drawingml/2006/diagram" xmlns:o="urn:schemas-microsoft-com:office:office" xmlns:v="urn:schemas-microsoft-com:vml" xmlns:pvml="urn:schemas-microsoft-com:office:powerpoint" xmlns:com="http://schemas.openxmlformats.org/drawingml/2006/compatibility" xmlns:p14="http://schemas.microsoft.com/office/powerpoint/2010/main" xmlns:p15="http://schemas.microsoft.com/office/powerpoint/2012/main" xmlns:ahyp="http://schemas.microsoft.com/office/drawing/2018/hyperlinkcolor" showMasterPhAnim="0" showMasterSp="0">
   <p:cSld>
     <p:spTree>
       <p:nvGrpSpPr>
-        <p:cNvPr id="115" name="Shape 115"/>
+        <p:cNvPr id="119" name="Shape 119"/>
         <p:cNvGrpSpPr/>
         <p:nvPr/>
       </p:nvGrpSpPr>
@@ -1780,7 +1721,7 @@
       </p:grpSpPr>
       <p:sp>
         <p:nvSpPr>
-          <p:cNvPr id="116" name="Google Shape;116;g1ee193c47d5_0_301:notes"/>
+          <p:cNvPr id="120" name="Google Shape;120;g1ee193c47d5_0_263:notes"/>
           <p:cNvSpPr/>
           <p:nvPr>
             <p:ph idx="2" type="sldImg"/>
@@ -1815,7 +1756,271 @@
       </p:sp>
       <p:sp>
         <p:nvSpPr>
-          <p:cNvPr id="117" name="Google Shape;117;g1ee193c47d5_0_301:notes"/>
+          <p:cNvPr id="121" name="Google Shape;121;g1ee193c47d5_0_263:notes"/>
+          <p:cNvSpPr txBox="1"/>
+          <p:nvPr>
+            <p:ph idx="1" type="body"/>
+          </p:nvPr>
+        </p:nvSpPr>
+        <p:spPr>
+          <a:xfrm>
+            <a:off x="685800" y="4343400"/>
+            <a:ext cx="5486400" cy="4114800"/>
+          </a:xfrm>
+          <a:prstGeom prst="rect">
+            <a:avLst/>
+          </a:prstGeom>
+        </p:spPr>
+        <p:txBody>
+          <a:bodyPr anchorCtr="0" anchor="t" bIns="91425" lIns="91425" spcFirstLastPara="1" rIns="91425" wrap="square" tIns="91425">
+            <a:noAutofit/>
+          </a:bodyPr>
+          <a:lstStyle/>
+          <a:p>
+            <a:pPr indent="0" lvl="0" marL="0" rtl="0" algn="l">
+              <a:spcBef>
+                <a:spcPts val="0"/>
+              </a:spcBef>
+              <a:spcAft>
+                <a:spcPts val="0"/>
+              </a:spcAft>
+              <a:buNone/>
+            </a:pPr>
+            <a:r>
+              <a:t/>
+            </a:r>
+            <a:endParaRPr/>
+          </a:p>
+        </p:txBody>
+      </p:sp>
+    </p:spTree>
+  </p:cSld>
+  <p:clrMapOvr>
+    <a:masterClrMapping/>
+  </p:clrMapOvr>
+</p:notes>
+</file>
+
+<file path=ppt/notesSlides/notesSlide8.xml><?xml version="1.0" encoding="utf-8"?>
+<p:notes xmlns:a="http://schemas.openxmlformats.org/drawingml/2006/main" xmlns:r="http://schemas.openxmlformats.org/officeDocument/2006/relationships" xmlns:mc="http://schemas.openxmlformats.org/markup-compatibility/2006" xmlns:mv="urn:schemas-microsoft-com:mac:vml" xmlns:p="http://schemas.openxmlformats.org/presentationml/2006/main" xmlns:c="http://schemas.openxmlformats.org/drawingml/2006/chart" xmlns:dgm="http://schemas.openxmlformats.org/drawingml/2006/diagram" xmlns:o="urn:schemas-microsoft-com:office:office" xmlns:v="urn:schemas-microsoft-com:vml" xmlns:pvml="urn:schemas-microsoft-com:office:powerpoint" xmlns:com="http://schemas.openxmlformats.org/drawingml/2006/compatibility" xmlns:p14="http://schemas.microsoft.com/office/powerpoint/2010/main" xmlns:p15="http://schemas.microsoft.com/office/powerpoint/2012/main" xmlns:ahyp="http://schemas.microsoft.com/office/drawing/2018/hyperlinkcolor" showMasterPhAnim="0" showMasterSp="0">
+  <p:cSld>
+    <p:spTree>
+      <p:nvGrpSpPr>
+        <p:cNvPr id="125" name="Shape 125"/>
+        <p:cNvGrpSpPr/>
+        <p:nvPr/>
+      </p:nvGrpSpPr>
+      <p:grpSpPr>
+        <a:xfrm>
+          <a:off x="0" y="0"/>
+          <a:ext cx="0" cy="0"/>
+          <a:chOff x="0" y="0"/>
+          <a:chExt cx="0" cy="0"/>
+        </a:xfrm>
+      </p:grpSpPr>
+      <p:sp>
+        <p:nvSpPr>
+          <p:cNvPr id="126" name="Google Shape;126;g1ee193c47d5_0_269:notes"/>
+          <p:cNvSpPr/>
+          <p:nvPr>
+            <p:ph idx="2" type="sldImg"/>
+          </p:nvPr>
+        </p:nvSpPr>
+        <p:spPr>
+          <a:xfrm>
+            <a:off x="381300" y="685800"/>
+            <a:ext cx="6096000" cy="3429000"/>
+          </a:xfrm>
+          <a:custGeom>
+            <a:rect b="b" l="l" r="r" t="t"/>
+            <a:pathLst>
+              <a:path extrusionOk="0" h="120000" w="120000">
+                <a:moveTo>
+                  <a:pt x="0" y="0"/>
+                </a:moveTo>
+                <a:lnTo>
+                  <a:pt x="120000" y="0"/>
+                </a:lnTo>
+                <a:lnTo>
+                  <a:pt x="120000" y="120000"/>
+                </a:lnTo>
+                <a:lnTo>
+                  <a:pt x="0" y="120000"/>
+                </a:lnTo>
+                <a:close/>
+              </a:path>
+            </a:pathLst>
+          </a:custGeom>
+        </p:spPr>
+      </p:sp>
+      <p:sp>
+        <p:nvSpPr>
+          <p:cNvPr id="127" name="Google Shape;127;g1ee193c47d5_0_269:notes"/>
+          <p:cNvSpPr txBox="1"/>
+          <p:nvPr>
+            <p:ph idx="1" type="body"/>
+          </p:nvPr>
+        </p:nvSpPr>
+        <p:spPr>
+          <a:xfrm>
+            <a:off x="685800" y="4343400"/>
+            <a:ext cx="5486400" cy="4114800"/>
+          </a:xfrm>
+          <a:prstGeom prst="rect">
+            <a:avLst/>
+          </a:prstGeom>
+        </p:spPr>
+        <p:txBody>
+          <a:bodyPr anchorCtr="0" anchor="t" bIns="91425" lIns="91425" spcFirstLastPara="1" rIns="91425" wrap="square" tIns="91425">
+            <a:noAutofit/>
+          </a:bodyPr>
+          <a:lstStyle/>
+          <a:p>
+            <a:pPr indent="0" lvl="0" marL="0" rtl="0" algn="l">
+              <a:lnSpc>
+                <a:spcPct val="115000"/>
+              </a:lnSpc>
+              <a:spcBef>
+                <a:spcPts val="2900"/>
+              </a:spcBef>
+              <a:spcAft>
+                <a:spcPts val="0"/>
+              </a:spcAft>
+              <a:buNone/>
+            </a:pPr>
+            <a:r>
+              <a:t/>
+            </a:r>
+            <a:endParaRPr sz="1200">
+              <a:solidFill>
+                <a:srgbClr val="374151"/>
+              </a:solidFill>
+              <a:highlight>
+                <a:srgbClr val="F7F7F8"/>
+              </a:highlight>
+              <a:latin typeface="Roboto"/>
+              <a:ea typeface="Roboto"/>
+              <a:cs typeface="Roboto"/>
+              <a:sym typeface="Roboto"/>
+            </a:endParaRPr>
+          </a:p>
+          <a:p>
+            <a:pPr indent="0" lvl="0" marL="0" rtl="0" algn="l">
+              <a:spcBef>
+                <a:spcPts val="2900"/>
+              </a:spcBef>
+              <a:spcAft>
+                <a:spcPts val="0"/>
+              </a:spcAft>
+              <a:buNone/>
+            </a:pPr>
+            <a:r>
+              <a:t/>
+            </a:r>
+            <a:endParaRPr sz="1200">
+              <a:solidFill>
+                <a:srgbClr val="374151"/>
+              </a:solidFill>
+              <a:highlight>
+                <a:srgbClr val="F7F7F8"/>
+              </a:highlight>
+              <a:latin typeface="Roboto"/>
+              <a:ea typeface="Roboto"/>
+              <a:cs typeface="Roboto"/>
+              <a:sym typeface="Roboto"/>
+            </a:endParaRPr>
+          </a:p>
+          <a:p>
+            <a:pPr indent="0" lvl="0" marL="0" rtl="0" algn="l">
+              <a:spcBef>
+                <a:spcPts val="0"/>
+              </a:spcBef>
+              <a:spcAft>
+                <a:spcPts val="0"/>
+              </a:spcAft>
+              <a:buNone/>
+            </a:pPr>
+            <a:r>
+              <a:t/>
+            </a:r>
+            <a:endParaRPr sz="1200">
+              <a:solidFill>
+                <a:srgbClr val="374151"/>
+              </a:solidFill>
+              <a:highlight>
+                <a:srgbClr val="F7F7F8"/>
+              </a:highlight>
+              <a:latin typeface="Roboto"/>
+              <a:ea typeface="Roboto"/>
+              <a:cs typeface="Roboto"/>
+              <a:sym typeface="Roboto"/>
+            </a:endParaRPr>
+          </a:p>
+        </p:txBody>
+      </p:sp>
+    </p:spTree>
+  </p:cSld>
+  <p:clrMapOvr>
+    <a:masterClrMapping/>
+  </p:clrMapOvr>
+</p:notes>
+</file>
+
+<file path=ppt/notesSlides/notesSlide9.xml><?xml version="1.0" encoding="utf-8"?>
+<p:notes xmlns:a="http://schemas.openxmlformats.org/drawingml/2006/main" xmlns:r="http://schemas.openxmlformats.org/officeDocument/2006/relationships" xmlns:mc="http://schemas.openxmlformats.org/markup-compatibility/2006" xmlns:mv="urn:schemas-microsoft-com:mac:vml" xmlns:p="http://schemas.openxmlformats.org/presentationml/2006/main" xmlns:c="http://schemas.openxmlformats.org/drawingml/2006/chart" xmlns:dgm="http://schemas.openxmlformats.org/drawingml/2006/diagram" xmlns:o="urn:schemas-microsoft-com:office:office" xmlns:v="urn:schemas-microsoft-com:vml" xmlns:pvml="urn:schemas-microsoft-com:office:powerpoint" xmlns:com="http://schemas.openxmlformats.org/drawingml/2006/compatibility" xmlns:p14="http://schemas.microsoft.com/office/powerpoint/2010/main" xmlns:p15="http://schemas.microsoft.com/office/powerpoint/2012/main" xmlns:ahyp="http://schemas.microsoft.com/office/drawing/2018/hyperlinkcolor" showMasterPhAnim="0" showMasterSp="0">
+  <p:cSld>
+    <p:spTree>
+      <p:nvGrpSpPr>
+        <p:cNvPr id="131" name="Shape 131"/>
+        <p:cNvGrpSpPr/>
+        <p:nvPr/>
+      </p:nvGrpSpPr>
+      <p:grpSpPr>
+        <a:xfrm>
+          <a:off x="0" y="0"/>
+          <a:ext cx="0" cy="0"/>
+          <a:chOff x="0" y="0"/>
+          <a:chExt cx="0" cy="0"/>
+        </a:xfrm>
+      </p:grpSpPr>
+      <p:sp>
+        <p:nvSpPr>
+          <p:cNvPr id="132" name="Google Shape;132;g1ee193c47d5_0_291:notes"/>
+          <p:cNvSpPr/>
+          <p:nvPr>
+            <p:ph idx="2" type="sldImg"/>
+          </p:nvPr>
+        </p:nvSpPr>
+        <p:spPr>
+          <a:xfrm>
+            <a:off x="381300" y="685800"/>
+            <a:ext cx="6096000" cy="3429000"/>
+          </a:xfrm>
+          <a:custGeom>
+            <a:rect b="b" l="l" r="r" t="t"/>
+            <a:pathLst>
+              <a:path extrusionOk="0" h="120000" w="120000">
+                <a:moveTo>
+                  <a:pt x="0" y="0"/>
+                </a:moveTo>
+                <a:lnTo>
+                  <a:pt x="120000" y="0"/>
+                </a:lnTo>
+                <a:lnTo>
+                  <a:pt x="120000" y="120000"/>
+                </a:lnTo>
+                <a:lnTo>
+                  <a:pt x="0" y="120000"/>
+                </a:lnTo>
+                <a:close/>
+              </a:path>
+            </a:pathLst>
+          </a:custGeom>
+        </p:spPr>
+      </p:sp>
+      <p:sp>
+        <p:nvSpPr>
+          <p:cNvPr id="133" name="Google Shape;133;g1ee193c47d5_0_291:notes"/>
           <p:cNvSpPr txBox="1"/>
           <p:nvPr>
             <p:ph idx="1" type="body"/>
@@ -7802,8 +8007,8 @@
         </p:blipFill>
         <p:spPr>
           <a:xfrm>
-            <a:off x="3321200" y="1879175"/>
-            <a:ext cx="2351027" cy="1301775"/>
+            <a:off x="0" y="0"/>
+            <a:ext cx="9144003" cy="5143500"/>
           </a:xfrm>
           <a:prstGeom prst="rect">
             <a:avLst/>
@@ -7814,6 +8019,64 @@
           </a:ln>
         </p:spPr>
       </p:pic>
+      <p:sp>
+        <p:nvSpPr>
+          <p:cNvPr id="68" name="Google Shape;68;p13"/>
+          <p:cNvSpPr txBox="1"/>
+          <p:nvPr/>
+        </p:nvSpPr>
+        <p:spPr>
+          <a:xfrm>
+            <a:off x="347800" y="2324025"/>
+            <a:ext cx="3673200" cy="677100"/>
+          </a:xfrm>
+          <a:prstGeom prst="rect">
+            <a:avLst/>
+          </a:prstGeom>
+          <a:noFill/>
+          <a:ln>
+            <a:noFill/>
+          </a:ln>
+        </p:spPr>
+        <p:txBody>
+          <a:bodyPr anchorCtr="0" anchor="t" bIns="91425" lIns="91425" spcFirstLastPara="1" rIns="91425" wrap="square" tIns="91425">
+            <a:spAutoFit/>
+          </a:bodyPr>
+          <a:lstStyle/>
+          <a:p>
+            <a:pPr indent="0" lvl="0" marL="0" rtl="0" algn="l">
+              <a:spcBef>
+                <a:spcPts val="0"/>
+              </a:spcBef>
+              <a:spcAft>
+                <a:spcPts val="0"/>
+              </a:spcAft>
+              <a:buNone/>
+            </a:pPr>
+            <a:r>
+              <a:rPr lang="en" sz="3200">
+                <a:solidFill>
+                  <a:schemeClr val="lt1"/>
+                </a:solidFill>
+                <a:latin typeface="Roboto Black"/>
+                <a:ea typeface="Roboto Black"/>
+                <a:cs typeface="Roboto Black"/>
+                <a:sym typeface="Roboto Black"/>
+              </a:rPr>
+              <a:t>Data Engineering</a:t>
+            </a:r>
+            <a:endParaRPr sz="3200">
+              <a:solidFill>
+                <a:schemeClr val="lt1"/>
+              </a:solidFill>
+              <a:latin typeface="Roboto Black"/>
+              <a:ea typeface="Roboto Black"/>
+              <a:cs typeface="Roboto Black"/>
+              <a:sym typeface="Roboto Black"/>
+            </a:endParaRPr>
+          </a:p>
+        </p:txBody>
+      </p:sp>
     </p:spTree>
   </p:cSld>
   <p:clrMapOvr>
@@ -7834,7 +8097,7 @@
     </p:bg>
     <p:spTree>
       <p:nvGrpSpPr>
-        <p:cNvPr id="125" name="Shape 125"/>
+        <p:cNvPr id="143" name="Shape 143"/>
         <p:cNvGrpSpPr/>
         <p:nvPr/>
       </p:nvGrpSpPr>
@@ -7848,7 +8111,7 @@
       </p:grpSpPr>
       <p:sp>
         <p:nvSpPr>
-          <p:cNvPr id="126" name="Google Shape;126;p22"/>
+          <p:cNvPr id="144" name="Google Shape;144;p22"/>
           <p:cNvSpPr txBox="1"/>
           <p:nvPr>
             <p:ph type="title"/>
@@ -7880,6 +8143,1003 @@
             </a:pPr>
             <a:r>
               <a:rPr lang="en"/>
+              <a:t>Finding Data - </a:t>
+            </a:r>
+            <a:r>
+              <a:rPr lang="en"/>
+              <a:t>Nonprofits</a:t>
+            </a:r>
+            <a:endParaRPr/>
+          </a:p>
+        </p:txBody>
+      </p:sp>
+      <p:sp>
+        <p:nvSpPr>
+          <p:cNvPr id="145" name="Google Shape;145;p22"/>
+          <p:cNvSpPr txBox="1"/>
+          <p:nvPr>
+            <p:ph idx="1" type="body"/>
+          </p:nvPr>
+        </p:nvSpPr>
+        <p:spPr>
+          <a:xfrm>
+            <a:off x="471900" y="1771600"/>
+            <a:ext cx="8222100" cy="2710200"/>
+          </a:xfrm>
+          <a:prstGeom prst="rect">
+            <a:avLst/>
+          </a:prstGeom>
+        </p:spPr>
+        <p:txBody>
+          <a:bodyPr anchorCtr="0" anchor="t" bIns="91425" lIns="91425" spcFirstLastPara="1" rIns="91425" wrap="square" tIns="91425">
+            <a:normAutofit fontScale="25000" lnSpcReduction="20000"/>
+          </a:bodyPr>
+          <a:lstStyle/>
+          <a:p>
+            <a:pPr indent="-247650" lvl="0" marL="457200" rtl="0" algn="l">
+              <a:spcBef>
+                <a:spcPts val="2900"/>
+              </a:spcBef>
+              <a:spcAft>
+                <a:spcPts val="0"/>
+              </a:spcAft>
+              <a:buClr>
+                <a:srgbClr val="374151"/>
+              </a:buClr>
+              <a:buSzPct val="28735"/>
+              <a:buChar char="●"/>
+            </a:pPr>
+            <a:r>
+              <a:rPr lang="en" sz="4175">
+                <a:solidFill>
+                  <a:srgbClr val="374151"/>
+                </a:solidFill>
+                <a:highlight>
+                  <a:srgbClr val="F7F7F8"/>
+                </a:highlight>
+              </a:rPr>
+              <a:t>These organizations collect and manage data for a wide range of social, environmental, and economic issues.</a:t>
+            </a:r>
+            <a:endParaRPr sz="4175">
+              <a:solidFill>
+                <a:srgbClr val="374151"/>
+              </a:solidFill>
+              <a:highlight>
+                <a:srgbClr val="F7F7F8"/>
+              </a:highlight>
+            </a:endParaRPr>
+          </a:p>
+          <a:p>
+            <a:pPr indent="-247650" lvl="0" marL="457200" rtl="0" algn="l">
+              <a:spcBef>
+                <a:spcPts val="0"/>
+              </a:spcBef>
+              <a:spcAft>
+                <a:spcPts val="0"/>
+              </a:spcAft>
+              <a:buClr>
+                <a:srgbClr val="374151"/>
+              </a:buClr>
+              <a:buSzPct val="28735"/>
+              <a:buChar char="●"/>
+            </a:pPr>
+            <a:r>
+              <a:rPr lang="en" sz="4175">
+                <a:solidFill>
+                  <a:srgbClr val="374151"/>
+                </a:solidFill>
+                <a:highlight>
+                  <a:srgbClr val="F7F7F8"/>
+                </a:highlight>
+              </a:rPr>
+              <a:t>Specialized data: Non-profit organizations often collect data in specific areas of interest, providing specialized and relevant information.</a:t>
+            </a:r>
+            <a:endParaRPr sz="4175">
+              <a:solidFill>
+                <a:srgbClr val="374151"/>
+              </a:solidFill>
+              <a:highlight>
+                <a:srgbClr val="F7F7F8"/>
+              </a:highlight>
+            </a:endParaRPr>
+          </a:p>
+          <a:p>
+            <a:pPr indent="-247650" lvl="0" marL="457200" rtl="0" algn="l">
+              <a:spcBef>
+                <a:spcPts val="0"/>
+              </a:spcBef>
+              <a:spcAft>
+                <a:spcPts val="0"/>
+              </a:spcAft>
+              <a:buClr>
+                <a:srgbClr val="374151"/>
+              </a:buClr>
+              <a:buSzPct val="28735"/>
+              <a:buChar char="●"/>
+            </a:pPr>
+            <a:r>
+              <a:rPr lang="en" sz="4175">
+                <a:solidFill>
+                  <a:srgbClr val="374151"/>
+                </a:solidFill>
+                <a:highlight>
+                  <a:srgbClr val="F7F7F8"/>
+                </a:highlight>
+              </a:rPr>
+              <a:t>Mission-driven data: Non-profit organizations collect data with a specific purpose and mission, ensuring data quality and reliability.</a:t>
+            </a:r>
+            <a:endParaRPr sz="4175">
+              <a:solidFill>
+                <a:srgbClr val="374151"/>
+              </a:solidFill>
+              <a:highlight>
+                <a:srgbClr val="F7F7F8"/>
+              </a:highlight>
+            </a:endParaRPr>
+          </a:p>
+          <a:p>
+            <a:pPr indent="-247650" lvl="0" marL="457200" rtl="0" algn="l">
+              <a:lnSpc>
+                <a:spcPct val="100000"/>
+              </a:lnSpc>
+              <a:spcBef>
+                <a:spcPts val="0"/>
+              </a:spcBef>
+              <a:spcAft>
+                <a:spcPts val="0"/>
+              </a:spcAft>
+              <a:buClr>
+                <a:srgbClr val="374151"/>
+              </a:buClr>
+              <a:buSzPct val="28735"/>
+              <a:buChar char="●"/>
+            </a:pPr>
+            <a:r>
+              <a:rPr lang="en" sz="4175">
+                <a:solidFill>
+                  <a:srgbClr val="374151"/>
+                </a:solidFill>
+                <a:highlight>
+                  <a:srgbClr val="F7F7F8"/>
+                </a:highlight>
+              </a:rPr>
+              <a:t>Free and open access: Many non-profit organizations make their datasets available for free and open access, allowing for greater use and dissemination of the data.</a:t>
+            </a:r>
+            <a:endParaRPr sz="4175">
+              <a:solidFill>
+                <a:srgbClr val="374151"/>
+              </a:solidFill>
+              <a:highlight>
+                <a:srgbClr val="F7F7F8"/>
+              </a:highlight>
+            </a:endParaRPr>
+          </a:p>
+          <a:p>
+            <a:pPr indent="0" lvl="0" marL="0" rtl="0" algn="l">
+              <a:lnSpc>
+                <a:spcPct val="100000"/>
+              </a:lnSpc>
+              <a:spcBef>
+                <a:spcPts val="2900"/>
+              </a:spcBef>
+              <a:spcAft>
+                <a:spcPts val="0"/>
+              </a:spcAft>
+              <a:buNone/>
+            </a:pPr>
+            <a:r>
+              <a:rPr lang="en" sz="4175">
+                <a:solidFill>
+                  <a:srgbClr val="374151"/>
+                </a:solidFill>
+                <a:highlight>
+                  <a:srgbClr val="F7F7F8"/>
+                </a:highlight>
+              </a:rPr>
+              <a:t>Types of Datasets:</a:t>
+            </a:r>
+            <a:endParaRPr sz="1200">
+              <a:solidFill>
+                <a:srgbClr val="374151"/>
+              </a:solidFill>
+              <a:highlight>
+                <a:srgbClr val="F7F7F8"/>
+              </a:highlight>
+            </a:endParaRPr>
+          </a:p>
+          <a:p>
+            <a:pPr indent="-247650" lvl="0" marL="457200" marR="0" rtl="0" algn="l">
+              <a:lnSpc>
+                <a:spcPct val="100000"/>
+              </a:lnSpc>
+              <a:spcBef>
+                <a:spcPts val="2900"/>
+              </a:spcBef>
+              <a:spcAft>
+                <a:spcPts val="0"/>
+              </a:spcAft>
+              <a:buClr>
+                <a:srgbClr val="374151"/>
+              </a:buClr>
+              <a:buSzPct val="28735"/>
+              <a:buChar char="●"/>
+            </a:pPr>
+            <a:r>
+              <a:rPr lang="en" sz="4175">
+                <a:solidFill>
+                  <a:srgbClr val="374151"/>
+                </a:solidFill>
+                <a:highlight>
+                  <a:srgbClr val="F7F7F8"/>
+                </a:highlight>
+              </a:rPr>
+              <a:t>Social issues data: Information on poverty, inequality, education, and more.</a:t>
+            </a:r>
+            <a:endParaRPr sz="4175">
+              <a:solidFill>
+                <a:srgbClr val="374151"/>
+              </a:solidFill>
+              <a:highlight>
+                <a:srgbClr val="F7F7F8"/>
+              </a:highlight>
+            </a:endParaRPr>
+          </a:p>
+          <a:p>
+            <a:pPr indent="-247650" lvl="0" marL="457200" marR="0" rtl="0" algn="l">
+              <a:lnSpc>
+                <a:spcPct val="115000"/>
+              </a:lnSpc>
+              <a:spcBef>
+                <a:spcPts val="0"/>
+              </a:spcBef>
+              <a:spcAft>
+                <a:spcPts val="0"/>
+              </a:spcAft>
+              <a:buClr>
+                <a:srgbClr val="374151"/>
+              </a:buClr>
+              <a:buSzPct val="28735"/>
+              <a:buChar char="●"/>
+            </a:pPr>
+            <a:r>
+              <a:rPr lang="en" sz="4175">
+                <a:solidFill>
+                  <a:srgbClr val="374151"/>
+                </a:solidFill>
+                <a:highlight>
+                  <a:srgbClr val="F7F7F8"/>
+                </a:highlight>
+              </a:rPr>
+              <a:t>Environmental data: Information on sustainability, conservation, and climate change.</a:t>
+            </a:r>
+            <a:endParaRPr sz="4175">
+              <a:solidFill>
+                <a:srgbClr val="374151"/>
+              </a:solidFill>
+              <a:highlight>
+                <a:srgbClr val="F7F7F8"/>
+              </a:highlight>
+            </a:endParaRPr>
+          </a:p>
+          <a:p>
+            <a:pPr indent="-247650" lvl="0" marL="457200" marR="0" rtl="0" algn="l">
+              <a:lnSpc>
+                <a:spcPct val="115000"/>
+              </a:lnSpc>
+              <a:spcBef>
+                <a:spcPts val="0"/>
+              </a:spcBef>
+              <a:spcAft>
+                <a:spcPts val="0"/>
+              </a:spcAft>
+              <a:buClr>
+                <a:srgbClr val="374151"/>
+              </a:buClr>
+              <a:buSzPct val="28735"/>
+              <a:buChar char="●"/>
+            </a:pPr>
+            <a:r>
+              <a:rPr lang="en" sz="4175">
+                <a:solidFill>
+                  <a:srgbClr val="374151"/>
+                </a:solidFill>
+                <a:highlight>
+                  <a:srgbClr val="F7F7F8"/>
+                </a:highlight>
+              </a:rPr>
+              <a:t>Health data: Information on access to healthcare, disease prevalence, and health outcomes.</a:t>
+            </a:r>
+            <a:endParaRPr sz="4175">
+              <a:solidFill>
+                <a:srgbClr val="374151"/>
+              </a:solidFill>
+              <a:highlight>
+                <a:srgbClr val="F7F7F8"/>
+              </a:highlight>
+            </a:endParaRPr>
+          </a:p>
+          <a:p>
+            <a:pPr indent="-247650" lvl="0" marL="457200" marR="0" rtl="0" algn="l">
+              <a:lnSpc>
+                <a:spcPct val="115000"/>
+              </a:lnSpc>
+              <a:spcBef>
+                <a:spcPts val="0"/>
+              </a:spcBef>
+              <a:spcAft>
+                <a:spcPts val="0"/>
+              </a:spcAft>
+              <a:buClr>
+                <a:srgbClr val="374151"/>
+              </a:buClr>
+              <a:buSzPct val="28735"/>
+              <a:buChar char="●"/>
+            </a:pPr>
+            <a:r>
+              <a:rPr lang="en" sz="4175">
+                <a:solidFill>
+                  <a:srgbClr val="374151"/>
+                </a:solidFill>
+                <a:highlight>
+                  <a:srgbClr val="F7F7F8"/>
+                </a:highlight>
+              </a:rPr>
+              <a:t>Human rights data: Information on human rights violations, freedom of expression, and more.</a:t>
+            </a:r>
+            <a:endParaRPr sz="4175">
+              <a:solidFill>
+                <a:srgbClr val="374151"/>
+              </a:solidFill>
+              <a:highlight>
+                <a:srgbClr val="F7F7F8"/>
+              </a:highlight>
+            </a:endParaRPr>
+          </a:p>
+          <a:p>
+            <a:pPr indent="-247650" lvl="0" marL="457200" marR="0" rtl="0" algn="l">
+              <a:lnSpc>
+                <a:spcPct val="115000"/>
+              </a:lnSpc>
+              <a:spcBef>
+                <a:spcPts val="0"/>
+              </a:spcBef>
+              <a:spcAft>
+                <a:spcPts val="0"/>
+              </a:spcAft>
+              <a:buClr>
+                <a:srgbClr val="374151"/>
+              </a:buClr>
+              <a:buSzPct val="28735"/>
+              <a:buChar char="●"/>
+            </a:pPr>
+            <a:r>
+              <a:rPr lang="en" sz="4175">
+                <a:solidFill>
+                  <a:srgbClr val="374151"/>
+                </a:solidFill>
+                <a:highlight>
+                  <a:srgbClr val="F7F7F8"/>
+                </a:highlight>
+              </a:rPr>
+              <a:t>Economic data: Information on income, employment, and economic development.</a:t>
+            </a:r>
+            <a:endParaRPr sz="4175">
+              <a:solidFill>
+                <a:srgbClr val="374151"/>
+              </a:solidFill>
+              <a:highlight>
+                <a:srgbClr val="F7F7F8"/>
+              </a:highlight>
+            </a:endParaRPr>
+          </a:p>
+          <a:p>
+            <a:pPr indent="0" lvl="0" marL="457200" rtl="0" algn="l">
+              <a:spcBef>
+                <a:spcPts val="2900"/>
+              </a:spcBef>
+              <a:spcAft>
+                <a:spcPts val="0"/>
+              </a:spcAft>
+              <a:buNone/>
+            </a:pPr>
+            <a:r>
+              <a:t/>
+            </a:r>
+            <a:endParaRPr sz="1200">
+              <a:solidFill>
+                <a:srgbClr val="374151"/>
+              </a:solidFill>
+              <a:highlight>
+                <a:srgbClr val="F7F7F8"/>
+              </a:highlight>
+            </a:endParaRPr>
+          </a:p>
+          <a:p>
+            <a:pPr indent="0" lvl="0" marL="0" rtl="0" algn="l">
+              <a:spcBef>
+                <a:spcPts val="0"/>
+              </a:spcBef>
+              <a:spcAft>
+                <a:spcPts val="1200"/>
+              </a:spcAft>
+              <a:buNone/>
+            </a:pPr>
+            <a:r>
+              <a:t/>
+            </a:r>
+            <a:endParaRPr/>
+          </a:p>
+        </p:txBody>
+      </p:sp>
+      <p:pic>
+        <p:nvPicPr>
+          <p:cNvPr id="146" name="Google Shape;146;p22">
+            <a:hlinkClick r:id="rId3"/>
+          </p:cNvPr>
+          <p:cNvPicPr preferRelativeResize="0"/>
+          <p:nvPr/>
+        </p:nvPicPr>
+        <p:blipFill rotWithShape="1">
+          <a:blip r:embed="rId4">
+            <a:alphaModFix/>
+          </a:blip>
+          <a:srcRect b="0" l="0" r="64239" t="0"/>
+          <a:stretch/>
+        </p:blipFill>
+        <p:spPr>
+          <a:xfrm>
+            <a:off x="6723471" y="3341925"/>
+            <a:ext cx="2059004" cy="767700"/>
+          </a:xfrm>
+          <a:prstGeom prst="rect">
+            <a:avLst/>
+          </a:prstGeom>
+          <a:noFill/>
+          <a:ln>
+            <a:noFill/>
+          </a:ln>
+        </p:spPr>
+      </p:pic>
+    </p:spTree>
+  </p:cSld>
+  <p:clrMapOvr>
+    <a:masterClrMapping/>
+  </p:clrMapOvr>
+</p:sld>
+</file>
+
+<file path=ppt/slides/slide11.xml><?xml version="1.0" encoding="utf-8"?>
+<p:sld xmlns:a="http://schemas.openxmlformats.org/drawingml/2006/main" xmlns:r="http://schemas.openxmlformats.org/officeDocument/2006/relationships" xmlns:mc="http://schemas.openxmlformats.org/markup-compatibility/2006" xmlns:mv="urn:schemas-microsoft-com:mac:vml" xmlns:p="http://schemas.openxmlformats.org/presentationml/2006/main" xmlns:c="http://schemas.openxmlformats.org/drawingml/2006/chart" xmlns:dgm="http://schemas.openxmlformats.org/drawingml/2006/diagram" xmlns:o="urn:schemas-microsoft-com:office:office" xmlns:v="urn:schemas-microsoft-com:vml" xmlns:pvml="urn:schemas-microsoft-com:office:powerpoint" xmlns:com="http://schemas.openxmlformats.org/drawingml/2006/compatibility" xmlns:p14="http://schemas.microsoft.com/office/powerpoint/2010/main" xmlns:p15="http://schemas.microsoft.com/office/powerpoint/2012/main" xmlns:ahyp="http://schemas.microsoft.com/office/drawing/2018/hyperlinkcolor">
+  <p:cSld>
+    <p:bg>
+      <p:bgPr>
+        <a:solidFill>
+          <a:schemeClr val="accent1"/>
+        </a:solidFill>
+      </p:bgPr>
+    </p:bg>
+    <p:spTree>
+      <p:nvGrpSpPr>
+        <p:cNvPr id="150" name="Shape 150"/>
+        <p:cNvGrpSpPr/>
+        <p:nvPr/>
+      </p:nvGrpSpPr>
+      <p:grpSpPr>
+        <a:xfrm>
+          <a:off x="0" y="0"/>
+          <a:ext cx="0" cy="0"/>
+          <a:chOff x="0" y="0"/>
+          <a:chExt cx="0" cy="0"/>
+        </a:xfrm>
+      </p:grpSpPr>
+      <p:sp>
+        <p:nvSpPr>
+          <p:cNvPr id="151" name="Google Shape;151;p23"/>
+          <p:cNvSpPr txBox="1"/>
+          <p:nvPr>
+            <p:ph type="title"/>
+          </p:nvPr>
+        </p:nvSpPr>
+        <p:spPr>
+          <a:xfrm>
+            <a:off x="471900" y="738725"/>
+            <a:ext cx="8222100" cy="767700"/>
+          </a:xfrm>
+          <a:prstGeom prst="rect">
+            <a:avLst/>
+          </a:prstGeom>
+        </p:spPr>
+        <p:txBody>
+          <a:bodyPr anchorCtr="0" anchor="b" bIns="91425" lIns="91425" spcFirstLastPara="1" rIns="91425" wrap="square" tIns="91425">
+            <a:normAutofit/>
+          </a:bodyPr>
+          <a:lstStyle/>
+          <a:p>
+            <a:pPr indent="0" lvl="0" marL="0" rtl="0" algn="l">
+              <a:spcBef>
+                <a:spcPts val="0"/>
+              </a:spcBef>
+              <a:spcAft>
+                <a:spcPts val="0"/>
+              </a:spcAft>
+              <a:buNone/>
+            </a:pPr>
+            <a:r>
+              <a:rPr lang="en"/>
+              <a:t>Finding Data - Academic Institutions</a:t>
+            </a:r>
+            <a:endParaRPr/>
+          </a:p>
+        </p:txBody>
+      </p:sp>
+      <p:sp>
+        <p:nvSpPr>
+          <p:cNvPr id="152" name="Google Shape;152;p23"/>
+          <p:cNvSpPr txBox="1"/>
+          <p:nvPr>
+            <p:ph idx="1" type="body"/>
+          </p:nvPr>
+        </p:nvSpPr>
+        <p:spPr>
+          <a:xfrm>
+            <a:off x="471900" y="1753900"/>
+            <a:ext cx="8222100" cy="2710200"/>
+          </a:xfrm>
+          <a:prstGeom prst="rect">
+            <a:avLst/>
+          </a:prstGeom>
+        </p:spPr>
+        <p:txBody>
+          <a:bodyPr anchorCtr="0" anchor="t" bIns="91425" lIns="91425" spcFirstLastPara="1" rIns="91425" wrap="square" tIns="91425">
+            <a:normAutofit fontScale="25000" lnSpcReduction="20000"/>
+          </a:bodyPr>
+          <a:lstStyle/>
+          <a:p>
+            <a:pPr indent="-257175" lvl="0" marL="457200" rtl="0" algn="l">
+              <a:spcBef>
+                <a:spcPts val="2900"/>
+              </a:spcBef>
+              <a:spcAft>
+                <a:spcPts val="0"/>
+              </a:spcAft>
+              <a:buClr>
+                <a:srgbClr val="374151"/>
+              </a:buClr>
+              <a:buSzPct val="43103"/>
+              <a:buChar char="●"/>
+            </a:pPr>
+            <a:r>
+              <a:rPr lang="en" sz="4175">
+                <a:solidFill>
+                  <a:srgbClr val="374151"/>
+                </a:solidFill>
+                <a:highlight>
+                  <a:srgbClr val="F7F7F8"/>
+                </a:highlight>
+              </a:rPr>
+              <a:t>Academic institutions are a major source of datasets for research and analysis in various fields of studies.</a:t>
+            </a:r>
+            <a:endParaRPr sz="4175">
+              <a:solidFill>
+                <a:srgbClr val="374151"/>
+              </a:solidFill>
+              <a:highlight>
+                <a:srgbClr val="F7F7F8"/>
+              </a:highlight>
+            </a:endParaRPr>
+          </a:p>
+          <a:p>
+            <a:pPr indent="-257175" lvl="0" marL="457200" rtl="0" algn="l">
+              <a:spcBef>
+                <a:spcPts val="0"/>
+              </a:spcBef>
+              <a:spcAft>
+                <a:spcPts val="0"/>
+              </a:spcAft>
+              <a:buClr>
+                <a:srgbClr val="000000"/>
+              </a:buClr>
+              <a:buSzPct val="43103"/>
+              <a:buChar char="●"/>
+            </a:pPr>
+            <a:r>
+              <a:rPr lang="en" sz="4175">
+                <a:solidFill>
+                  <a:srgbClr val="374151"/>
+                </a:solidFill>
+                <a:highlight>
+                  <a:srgbClr val="F7F7F8"/>
+                </a:highlight>
+              </a:rPr>
+              <a:t>Cutting-edge data: Academic institutions generate and collect data in the latest fields of research and study, providing access to cutting-edge information.</a:t>
+            </a:r>
+            <a:endParaRPr sz="4175">
+              <a:solidFill>
+                <a:srgbClr val="374151"/>
+              </a:solidFill>
+              <a:highlight>
+                <a:srgbClr val="F7F7F8"/>
+              </a:highlight>
+            </a:endParaRPr>
+          </a:p>
+          <a:p>
+            <a:pPr indent="-257175" lvl="0" marL="457200" rtl="0" algn="l">
+              <a:spcBef>
+                <a:spcPts val="0"/>
+              </a:spcBef>
+              <a:spcAft>
+                <a:spcPts val="0"/>
+              </a:spcAft>
+              <a:buClr>
+                <a:srgbClr val="000000"/>
+              </a:buClr>
+              <a:buSzPct val="43103"/>
+              <a:buChar char="●"/>
+            </a:pPr>
+            <a:r>
+              <a:rPr lang="en" sz="4175">
+                <a:solidFill>
+                  <a:srgbClr val="374151"/>
+                </a:solidFill>
+                <a:highlight>
+                  <a:srgbClr val="F7F7F8"/>
+                </a:highlight>
+              </a:rPr>
+              <a:t>High-quality data: Academic institutions have high standards for data quality, reliability, and validity, ensuring the accuracy and validity of the data.</a:t>
+            </a:r>
+            <a:endParaRPr sz="4175">
+              <a:solidFill>
+                <a:srgbClr val="374151"/>
+              </a:solidFill>
+              <a:highlight>
+                <a:srgbClr val="F7F7F8"/>
+              </a:highlight>
+            </a:endParaRPr>
+          </a:p>
+          <a:p>
+            <a:pPr indent="-257175" lvl="0" marL="457200" rtl="0" algn="l">
+              <a:spcBef>
+                <a:spcPts val="0"/>
+              </a:spcBef>
+              <a:spcAft>
+                <a:spcPts val="0"/>
+              </a:spcAft>
+              <a:buClr>
+                <a:srgbClr val="000000"/>
+              </a:buClr>
+              <a:buSzPct val="43103"/>
+              <a:buChar char="●"/>
+            </a:pPr>
+            <a:r>
+              <a:rPr lang="en" sz="4175">
+                <a:solidFill>
+                  <a:srgbClr val="374151"/>
+                </a:solidFill>
+                <a:highlight>
+                  <a:srgbClr val="F7F7F8"/>
+                </a:highlight>
+              </a:rPr>
+              <a:t>Diverse data: Academic institutions collect data from various sources and disciplines, providing a diverse range of data for analysis and study.</a:t>
+            </a:r>
+            <a:endParaRPr>
+              <a:solidFill>
+                <a:srgbClr val="000000"/>
+              </a:solidFill>
+            </a:endParaRPr>
+          </a:p>
+          <a:p>
+            <a:pPr indent="0" lvl="0" marL="0" rtl="0" algn="l">
+              <a:lnSpc>
+                <a:spcPct val="100000"/>
+              </a:lnSpc>
+              <a:spcBef>
+                <a:spcPts val="2900"/>
+              </a:spcBef>
+              <a:spcAft>
+                <a:spcPts val="0"/>
+              </a:spcAft>
+              <a:buNone/>
+            </a:pPr>
+            <a:r>
+              <a:rPr lang="en" sz="4000">
+                <a:solidFill>
+                  <a:srgbClr val="000000"/>
+                </a:solidFill>
+              </a:rPr>
+              <a:t>Types of Datasets:</a:t>
+            </a:r>
+            <a:endParaRPr sz="4000">
+              <a:solidFill>
+                <a:srgbClr val="000000"/>
+              </a:solidFill>
+            </a:endParaRPr>
+          </a:p>
+          <a:p>
+            <a:pPr indent="-292100" lvl="0" marL="457200" rtl="0" algn="l">
+              <a:lnSpc>
+                <a:spcPct val="100000"/>
+              </a:lnSpc>
+              <a:spcBef>
+                <a:spcPts val="2900"/>
+              </a:spcBef>
+              <a:spcAft>
+                <a:spcPts val="0"/>
+              </a:spcAft>
+              <a:buClr>
+                <a:srgbClr val="000000"/>
+              </a:buClr>
+              <a:buSzPct val="95786"/>
+              <a:buChar char="●"/>
+            </a:pPr>
+            <a:r>
+              <a:rPr lang="en" sz="4175">
+                <a:solidFill>
+                  <a:srgbClr val="374151"/>
+                </a:solidFill>
+                <a:highlight>
+                  <a:srgbClr val="F7F7F8"/>
+                </a:highlight>
+              </a:rPr>
+              <a:t>Scientific data: Information on biology, chemistry, physics, and more.</a:t>
+            </a:r>
+            <a:endParaRPr sz="4175">
+              <a:solidFill>
+                <a:srgbClr val="374151"/>
+              </a:solidFill>
+              <a:highlight>
+                <a:srgbClr val="F7F7F8"/>
+              </a:highlight>
+            </a:endParaRPr>
+          </a:p>
+          <a:p>
+            <a:pPr indent="-292100" lvl="0" marL="457200" rtl="0" algn="l">
+              <a:spcBef>
+                <a:spcPts val="0"/>
+              </a:spcBef>
+              <a:spcAft>
+                <a:spcPts val="0"/>
+              </a:spcAft>
+              <a:buClr>
+                <a:srgbClr val="000000"/>
+              </a:buClr>
+              <a:buSzPct val="95786"/>
+              <a:buChar char="●"/>
+            </a:pPr>
+            <a:r>
+              <a:rPr lang="en" sz="4175">
+                <a:solidFill>
+                  <a:srgbClr val="374151"/>
+                </a:solidFill>
+                <a:highlight>
+                  <a:srgbClr val="F7F7F8"/>
+                </a:highlight>
+              </a:rPr>
+              <a:t>Humanities data: Information on history, literature, and culture.</a:t>
+            </a:r>
+            <a:endParaRPr sz="4175">
+              <a:solidFill>
+                <a:srgbClr val="374151"/>
+              </a:solidFill>
+              <a:highlight>
+                <a:srgbClr val="F7F7F8"/>
+              </a:highlight>
+            </a:endParaRPr>
+          </a:p>
+          <a:p>
+            <a:pPr indent="-292100" lvl="0" marL="457200" rtl="0" algn="l">
+              <a:spcBef>
+                <a:spcPts val="0"/>
+              </a:spcBef>
+              <a:spcAft>
+                <a:spcPts val="0"/>
+              </a:spcAft>
+              <a:buClr>
+                <a:srgbClr val="000000"/>
+              </a:buClr>
+              <a:buSzPct val="95786"/>
+              <a:buChar char="●"/>
+            </a:pPr>
+            <a:r>
+              <a:rPr lang="en" sz="4175">
+                <a:solidFill>
+                  <a:srgbClr val="374151"/>
+                </a:solidFill>
+                <a:highlight>
+                  <a:srgbClr val="F7F7F8"/>
+                </a:highlight>
+              </a:rPr>
+              <a:t>Social science data: Information on sociology, psychology, economics, and more.</a:t>
+            </a:r>
+            <a:endParaRPr sz="4175">
+              <a:solidFill>
+                <a:srgbClr val="374151"/>
+              </a:solidFill>
+              <a:highlight>
+                <a:srgbClr val="F7F7F8"/>
+              </a:highlight>
+            </a:endParaRPr>
+          </a:p>
+          <a:p>
+            <a:pPr indent="-292100" lvl="0" marL="457200" rtl="0" algn="l">
+              <a:spcBef>
+                <a:spcPts val="0"/>
+              </a:spcBef>
+              <a:spcAft>
+                <a:spcPts val="0"/>
+              </a:spcAft>
+              <a:buClr>
+                <a:srgbClr val="000000"/>
+              </a:buClr>
+              <a:buSzPct val="95786"/>
+              <a:buChar char="●"/>
+            </a:pPr>
+            <a:r>
+              <a:rPr lang="en" sz="4175">
+                <a:solidFill>
+                  <a:srgbClr val="374151"/>
+                </a:solidFill>
+                <a:highlight>
+                  <a:srgbClr val="F7F7F8"/>
+                </a:highlight>
+              </a:rPr>
+              <a:t>Health data: Information on medical research, health outcomes, and more.</a:t>
+            </a:r>
+            <a:endParaRPr sz="4175">
+              <a:solidFill>
+                <a:srgbClr val="374151"/>
+              </a:solidFill>
+              <a:highlight>
+                <a:srgbClr val="F7F7F8"/>
+              </a:highlight>
+            </a:endParaRPr>
+          </a:p>
+          <a:p>
+            <a:pPr indent="-292100" lvl="0" marL="457200" rtl="0" algn="l">
+              <a:spcBef>
+                <a:spcPts val="0"/>
+              </a:spcBef>
+              <a:spcAft>
+                <a:spcPts val="0"/>
+              </a:spcAft>
+              <a:buClr>
+                <a:srgbClr val="000000"/>
+              </a:buClr>
+              <a:buSzPct val="95786"/>
+              <a:buChar char="●"/>
+            </a:pPr>
+            <a:r>
+              <a:rPr lang="en" sz="4175">
+                <a:solidFill>
+                  <a:srgbClr val="374151"/>
+                </a:solidFill>
+                <a:highlight>
+                  <a:srgbClr val="F7F7F8"/>
+                </a:highlight>
+              </a:rPr>
+              <a:t>Geographical data: Information on geography, maps, and environmental issues.</a:t>
+            </a:r>
+            <a:endParaRPr sz="4175">
+              <a:solidFill>
+                <a:srgbClr val="374151"/>
+              </a:solidFill>
+              <a:highlight>
+                <a:srgbClr val="F7F7F8"/>
+              </a:highlight>
+            </a:endParaRPr>
+          </a:p>
+          <a:p>
+            <a:pPr indent="0" lvl="0" marL="0" rtl="0" algn="l">
+              <a:spcBef>
+                <a:spcPts val="0"/>
+              </a:spcBef>
+              <a:spcAft>
+                <a:spcPts val="1200"/>
+              </a:spcAft>
+              <a:buNone/>
+            </a:pPr>
+            <a:r>
+              <a:t/>
+            </a:r>
+            <a:endParaRPr/>
+          </a:p>
+        </p:txBody>
+      </p:sp>
+      <p:pic>
+        <p:nvPicPr>
+          <p:cNvPr id="153" name="Google Shape;153;p23">
+            <a:hlinkClick r:id="rId3"/>
+          </p:cNvPr>
+          <p:cNvPicPr preferRelativeResize="0"/>
+          <p:nvPr/>
+        </p:nvPicPr>
+        <p:blipFill>
+          <a:blip r:embed="rId4">
+            <a:alphaModFix/>
+          </a:blip>
+          <a:stretch>
+            <a:fillRect/>
+          </a:stretch>
+        </p:blipFill>
+        <p:spPr>
+          <a:xfrm>
+            <a:off x="6386475" y="3353775"/>
+            <a:ext cx="2057436" cy="767700"/>
+          </a:xfrm>
+          <a:prstGeom prst="rect">
+            <a:avLst/>
+          </a:prstGeom>
+          <a:noFill/>
+          <a:ln>
+            <a:noFill/>
+          </a:ln>
+        </p:spPr>
+      </p:pic>
+    </p:spTree>
+  </p:cSld>
+  <p:clrMapOvr>
+    <a:masterClrMapping/>
+  </p:clrMapOvr>
+</p:sld>
+</file>
+
+<file path=ppt/slides/slide12.xml><?xml version="1.0" encoding="utf-8"?>
+<p:sld xmlns:a="http://schemas.openxmlformats.org/drawingml/2006/main" xmlns:r="http://schemas.openxmlformats.org/officeDocument/2006/relationships" xmlns:mc="http://schemas.openxmlformats.org/markup-compatibility/2006" xmlns:mv="urn:schemas-microsoft-com:mac:vml" xmlns:p="http://schemas.openxmlformats.org/presentationml/2006/main" xmlns:c="http://schemas.openxmlformats.org/drawingml/2006/chart" xmlns:dgm="http://schemas.openxmlformats.org/drawingml/2006/diagram" xmlns:o="urn:schemas-microsoft-com:office:office" xmlns:v="urn:schemas-microsoft-com:vml" xmlns:pvml="urn:schemas-microsoft-com:office:powerpoint" xmlns:com="http://schemas.openxmlformats.org/drawingml/2006/compatibility" xmlns:p14="http://schemas.microsoft.com/office/powerpoint/2010/main" xmlns:p15="http://schemas.microsoft.com/office/powerpoint/2012/main" xmlns:ahyp="http://schemas.microsoft.com/office/drawing/2018/hyperlinkcolor">
+  <p:cSld>
+    <p:bg>
+      <p:bgPr>
+        <a:solidFill>
+          <a:schemeClr val="accent1"/>
+        </a:solidFill>
+      </p:bgPr>
+    </p:bg>
+    <p:spTree>
+      <p:nvGrpSpPr>
+        <p:cNvPr id="157" name="Shape 157"/>
+        <p:cNvGrpSpPr/>
+        <p:nvPr/>
+      </p:nvGrpSpPr>
+      <p:grpSpPr>
+        <a:xfrm>
+          <a:off x="0" y="0"/>
+          <a:ext cx="0" cy="0"/>
+          <a:chOff x="0" y="0"/>
+          <a:chExt cx="0" cy="0"/>
+        </a:xfrm>
+      </p:grpSpPr>
+      <p:sp>
+        <p:nvSpPr>
+          <p:cNvPr id="158" name="Google Shape;158;p24"/>
+          <p:cNvSpPr txBox="1"/>
+          <p:nvPr>
+            <p:ph type="title"/>
+          </p:nvPr>
+        </p:nvSpPr>
+        <p:spPr>
+          <a:xfrm>
+            <a:off x="471900" y="738725"/>
+            <a:ext cx="8222100" cy="767700"/>
+          </a:xfrm>
+          <a:prstGeom prst="rect">
+            <a:avLst/>
+          </a:prstGeom>
+        </p:spPr>
+        <p:txBody>
+          <a:bodyPr anchorCtr="0" anchor="b" bIns="91425" lIns="91425" spcFirstLastPara="1" rIns="91425" wrap="square" tIns="91425">
+            <a:normAutofit/>
+          </a:bodyPr>
+          <a:lstStyle/>
+          <a:p>
+            <a:pPr indent="0" lvl="0" marL="0" rtl="0" algn="l">
+              <a:spcBef>
+                <a:spcPts val="0"/>
+              </a:spcBef>
+              <a:spcAft>
+                <a:spcPts val="0"/>
+              </a:spcAft>
+              <a:buNone/>
+            </a:pPr>
+            <a:r>
+              <a:rPr lang="en"/>
               <a:t>Finding Data - Companies</a:t>
             </a:r>
             <a:endParaRPr/>
@@ -7888,7 +9148,7 @@
       </p:sp>
       <p:sp>
         <p:nvSpPr>
-          <p:cNvPr id="127" name="Google Shape;127;p22"/>
+          <p:cNvPr id="159" name="Google Shape;159;p24"/>
           <p:cNvSpPr txBox="1"/>
           <p:nvPr>
             <p:ph idx="1" type="body"/>
@@ -8274,7 +9534,7 @@
       </p:sp>
       <p:pic>
         <p:nvPicPr>
-          <p:cNvPr id="128" name="Google Shape;128;p22">
+          <p:cNvPr id="160" name="Google Shape;160;p24">
             <a:hlinkClick r:id="rId3"/>
           </p:cNvPr>
           <p:cNvPicPr preferRelativeResize="0"/>
@@ -8304,7 +9564,7 @@
       </p:pic>
       <p:pic>
         <p:nvPicPr>
-          <p:cNvPr id="129" name="Google Shape;129;p22">
+          <p:cNvPr id="161" name="Google Shape;161;p24">
             <a:hlinkClick r:id="rId5"/>
           </p:cNvPr>
           <p:cNvPicPr preferRelativeResize="0"/>
@@ -8334,7 +9594,7 @@
       </p:pic>
       <p:pic>
         <p:nvPicPr>
-          <p:cNvPr id="130" name="Google Shape;130;p22">
+          <p:cNvPr id="162" name="Google Shape;162;p24">
             <a:hlinkClick r:id="rId7"/>
           </p:cNvPr>
           <p:cNvPicPr preferRelativeResize="0"/>
@@ -8370,7 +9630,7 @@
 </p:sld>
 </file>
 
-<file path=ppt/slides/slide11.xml><?xml version="1.0" encoding="utf-8"?>
+<file path=ppt/slides/slide13.xml><?xml version="1.0" encoding="utf-8"?>
 <p:sld xmlns:a="http://schemas.openxmlformats.org/drawingml/2006/main" xmlns:r="http://schemas.openxmlformats.org/officeDocument/2006/relationships" xmlns:mc="http://schemas.openxmlformats.org/markup-compatibility/2006" xmlns:mv="urn:schemas-microsoft-com:mac:vml" xmlns:p="http://schemas.openxmlformats.org/presentationml/2006/main" xmlns:c="http://schemas.openxmlformats.org/drawingml/2006/chart" xmlns:dgm="http://schemas.openxmlformats.org/drawingml/2006/diagram" xmlns:o="urn:schemas-microsoft-com:office:office" xmlns:v="urn:schemas-microsoft-com:vml" xmlns:pvml="urn:schemas-microsoft-com:office:powerpoint" xmlns:com="http://schemas.openxmlformats.org/drawingml/2006/compatibility" xmlns:p14="http://schemas.microsoft.com/office/powerpoint/2010/main" xmlns:p15="http://schemas.microsoft.com/office/powerpoint/2012/main" xmlns:ahyp="http://schemas.microsoft.com/office/drawing/2018/hyperlinkcolor">
   <p:cSld>
     <p:bg>
@@ -8382,7 +9642,7 @@
     </p:bg>
     <p:spTree>
       <p:nvGrpSpPr>
-        <p:cNvPr id="134" name="Shape 134"/>
+        <p:cNvPr id="166" name="Shape 166"/>
         <p:cNvGrpSpPr/>
         <p:nvPr/>
       </p:nvGrpSpPr>
@@ -8396,7 +9656,7 @@
       </p:grpSpPr>
       <p:sp>
         <p:nvSpPr>
-          <p:cNvPr id="135" name="Google Shape;135;p23"/>
+          <p:cNvPr id="167" name="Google Shape;167;p25"/>
           <p:cNvSpPr txBox="1"/>
           <p:nvPr>
             <p:ph type="title"/>
@@ -8440,7 +9700,7 @@
       </p:sp>
       <p:sp>
         <p:nvSpPr>
-          <p:cNvPr id="136" name="Google Shape;136;p23"/>
+          <p:cNvPr id="168" name="Google Shape;168;p25"/>
           <p:cNvSpPr txBox="1"/>
           <p:nvPr>
             <p:ph idx="1" type="body"/>
@@ -8800,7 +10060,7 @@
       </p:sp>
       <p:pic>
         <p:nvPicPr>
-          <p:cNvPr id="137" name="Google Shape;137;p23">
+          <p:cNvPr id="169" name="Google Shape;169;p25">
             <a:hlinkClick r:id="rId3"/>
           </p:cNvPr>
           <p:cNvPicPr preferRelativeResize="0"/>
@@ -8830,7 +10090,7 @@
       </p:pic>
       <p:pic>
         <p:nvPicPr>
-          <p:cNvPr id="138" name="Google Shape;138;p23">
+          <p:cNvPr id="170" name="Google Shape;170;p25">
             <a:hlinkClick r:id="rId5"/>
           </p:cNvPr>
           <p:cNvPicPr preferRelativeResize="0"/>
@@ -8878,7 +10138,7 @@
     </p:bg>
     <p:spTree>
       <p:nvGrpSpPr>
-        <p:cNvPr id="71" name="Shape 71"/>
+        <p:cNvPr id="72" name="Shape 72"/>
         <p:cNvGrpSpPr/>
         <p:nvPr/>
       </p:nvGrpSpPr>
@@ -8892,7 +10152,1130 @@
       </p:grpSpPr>
       <p:sp>
         <p:nvSpPr>
-          <p:cNvPr id="72" name="Google Shape;72;p14"/>
+          <p:cNvPr id="73" name="Google Shape;73;p14"/>
+          <p:cNvSpPr txBox="1"/>
+          <p:nvPr>
+            <p:ph type="title"/>
+          </p:nvPr>
+        </p:nvSpPr>
+        <p:spPr>
+          <a:xfrm>
+            <a:off x="376338" y="848300"/>
+            <a:ext cx="8222100" cy="767700"/>
+          </a:xfrm>
+          <a:prstGeom prst="rect">
+            <a:avLst/>
+          </a:prstGeom>
+        </p:spPr>
+        <p:txBody>
+          <a:bodyPr anchorCtr="0" anchor="b" bIns="91425" lIns="91425" spcFirstLastPara="1" rIns="91425" wrap="square" tIns="91425">
+            <a:normAutofit/>
+          </a:bodyPr>
+          <a:lstStyle/>
+          <a:p>
+            <a:pPr indent="0" lvl="0" marL="0" rtl="0" algn="l">
+              <a:spcBef>
+                <a:spcPts val="0"/>
+              </a:spcBef>
+              <a:spcAft>
+                <a:spcPts val="0"/>
+              </a:spcAft>
+              <a:buNone/>
+            </a:pPr>
+            <a:r>
+              <a:rPr lang="en"/>
+              <a:t>Data </a:t>
+            </a:r>
+            <a:r>
+              <a:rPr lang="en"/>
+              <a:t>Engineering</a:t>
+            </a:r>
+            <a:endParaRPr/>
+          </a:p>
+        </p:txBody>
+      </p:sp>
+      <p:grpSp>
+        <p:nvGrpSpPr>
+          <p:cNvPr id="74" name="Google Shape;74;p14"/>
+          <p:cNvGrpSpPr/>
+          <p:nvPr/>
+        </p:nvGrpSpPr>
+        <p:grpSpPr>
+          <a:xfrm>
+            <a:off x="5286393" y="2156618"/>
+            <a:ext cx="2675932" cy="2460300"/>
+            <a:chOff x="4761418" y="1318143"/>
+            <a:chExt cx="2675932" cy="2460300"/>
+          </a:xfrm>
+        </p:grpSpPr>
+        <p:sp>
+          <p:nvSpPr>
+            <p:cNvPr id="75" name="Google Shape;75;p14"/>
+            <p:cNvSpPr/>
+            <p:nvPr/>
+          </p:nvSpPr>
+          <p:spPr>
+            <a:xfrm rot="2700000">
+              <a:off x="5746767" y="1053398"/>
+              <a:ext cx="489601" cy="2989789"/>
+            </a:xfrm>
+            <a:prstGeom prst="roundRect">
+              <a:avLst>
+                <a:gd fmla="val 50000" name="adj"/>
+              </a:avLst>
+            </a:prstGeom>
+            <a:solidFill>
+              <a:srgbClr val="0E65F0"/>
+            </a:solidFill>
+            <a:ln>
+              <a:noFill/>
+            </a:ln>
+          </p:spPr>
+          <p:txBody>
+            <a:bodyPr anchorCtr="0" anchor="ctr" bIns="91425" lIns="91425" spcFirstLastPara="1" rIns="91425" wrap="square" tIns="91425">
+              <a:noAutofit/>
+            </a:bodyPr>
+            <a:lstStyle/>
+            <a:p>
+              <a:pPr indent="0" lvl="0" marL="0" rtl="0" algn="l">
+                <a:spcBef>
+                  <a:spcPts val="0"/>
+                </a:spcBef>
+                <a:spcAft>
+                  <a:spcPts val="0"/>
+                </a:spcAft>
+                <a:buNone/>
+              </a:pPr>
+              <a:r>
+                <a:t/>
+              </a:r>
+              <a:endParaRPr/>
+            </a:p>
+          </p:txBody>
+        </p:sp>
+        <p:sp>
+          <p:nvSpPr>
+            <p:cNvPr id="76" name="Google Shape;76;p14"/>
+            <p:cNvSpPr/>
+            <p:nvPr/>
+          </p:nvSpPr>
+          <p:spPr>
+            <a:xfrm>
+              <a:off x="4950863" y="3255512"/>
+              <a:ext cx="326100" cy="326100"/>
+            </a:xfrm>
+            <a:prstGeom prst="ellipse">
+              <a:avLst/>
+            </a:prstGeom>
+            <a:solidFill>
+              <a:srgbClr val="FFFFFF"/>
+            </a:solidFill>
+            <a:ln>
+              <a:noFill/>
+            </a:ln>
+            <a:effectLst>
+              <a:outerShdw blurRad="228600" rotWithShape="0" algn="tl" dir="5400000" dist="50800">
+                <a:srgbClr val="000000">
+                  <a:alpha val="54900"/>
+                </a:srgbClr>
+              </a:outerShdw>
+            </a:effectLst>
+          </p:spPr>
+          <p:txBody>
+            <a:bodyPr anchorCtr="0" anchor="ctr" bIns="91425" lIns="91425" spcFirstLastPara="1" rIns="91425" wrap="square" tIns="91425">
+              <a:noAutofit/>
+            </a:bodyPr>
+            <a:lstStyle/>
+            <a:p>
+              <a:pPr indent="0" lvl="0" marL="0" rtl="0" algn="l">
+                <a:spcBef>
+                  <a:spcPts val="0"/>
+                </a:spcBef>
+                <a:spcAft>
+                  <a:spcPts val="0"/>
+                </a:spcAft>
+                <a:buNone/>
+              </a:pPr>
+              <a:r>
+                <a:rPr b="1" lang="en" sz="900">
+                  <a:solidFill>
+                    <a:srgbClr val="0E65F0"/>
+                  </a:solidFill>
+                  <a:latin typeface="Roboto"/>
+                  <a:ea typeface="Roboto"/>
+                  <a:cs typeface="Roboto"/>
+                  <a:sym typeface="Roboto"/>
+                </a:rPr>
+                <a:t>4</a:t>
+              </a:r>
+              <a:endParaRPr b="1" sz="900">
+                <a:solidFill>
+                  <a:srgbClr val="0E65F0"/>
+                </a:solidFill>
+                <a:latin typeface="Roboto"/>
+                <a:ea typeface="Roboto"/>
+                <a:cs typeface="Roboto"/>
+                <a:sym typeface="Roboto"/>
+              </a:endParaRPr>
+            </a:p>
+          </p:txBody>
+        </p:sp>
+        <p:sp>
+          <p:nvSpPr>
+            <p:cNvPr id="77" name="Google Shape;77;p14"/>
+            <p:cNvSpPr txBox="1"/>
+            <p:nvPr/>
+          </p:nvSpPr>
+          <p:spPr>
+            <a:xfrm rot="-2700000">
+              <a:off x="4896424" y="2302799"/>
+              <a:ext cx="2362302" cy="342805"/>
+            </a:xfrm>
+            <a:prstGeom prst="rect">
+              <a:avLst/>
+            </a:prstGeom>
+            <a:noFill/>
+            <a:ln>
+              <a:noFill/>
+            </a:ln>
+          </p:spPr>
+          <p:txBody>
+            <a:bodyPr anchorCtr="0" anchor="ctr" bIns="91425" lIns="91425" spcFirstLastPara="1" rIns="91425" wrap="square" tIns="91425">
+              <a:noAutofit/>
+            </a:bodyPr>
+            <a:lstStyle/>
+            <a:p>
+              <a:pPr indent="0" lvl="0" marL="0" rtl="0" algn="l">
+                <a:lnSpc>
+                  <a:spcPct val="115000"/>
+                </a:lnSpc>
+                <a:spcBef>
+                  <a:spcPts val="0"/>
+                </a:spcBef>
+                <a:spcAft>
+                  <a:spcPts val="0"/>
+                </a:spcAft>
+                <a:buNone/>
+              </a:pPr>
+              <a:r>
+                <a:rPr b="1" lang="en" sz="1100">
+                  <a:solidFill>
+                    <a:srgbClr val="FFFFFF"/>
+                  </a:solidFill>
+                  <a:latin typeface="Roboto"/>
+                  <a:ea typeface="Roboto"/>
+                  <a:cs typeface="Roboto"/>
+                  <a:sym typeface="Roboto"/>
+                </a:rPr>
+                <a:t>Data Splitting</a:t>
+              </a:r>
+              <a:endParaRPr b="1" sz="1100">
+                <a:solidFill>
+                  <a:srgbClr val="FFFFFF"/>
+                </a:solidFill>
+                <a:latin typeface="Roboto"/>
+                <a:ea typeface="Roboto"/>
+                <a:cs typeface="Roboto"/>
+                <a:sym typeface="Roboto"/>
+              </a:endParaRPr>
+            </a:p>
+          </p:txBody>
+        </p:sp>
+        <p:sp>
+          <p:nvSpPr>
+            <p:cNvPr id="78" name="Google Shape;78;p14"/>
+            <p:cNvSpPr txBox="1"/>
+            <p:nvPr/>
+          </p:nvSpPr>
+          <p:spPr>
+            <a:xfrm rot="-2700000">
+              <a:off x="5280483" y="2535371"/>
+              <a:ext cx="2343635" cy="442507"/>
+            </a:xfrm>
+            <a:prstGeom prst="rect">
+              <a:avLst/>
+            </a:prstGeom>
+            <a:noFill/>
+            <a:ln>
+              <a:noFill/>
+            </a:ln>
+          </p:spPr>
+          <p:txBody>
+            <a:bodyPr anchorCtr="0" anchor="t" bIns="91425" lIns="91425" spcFirstLastPara="1" rIns="91425" wrap="square" tIns="91425">
+              <a:noAutofit/>
+            </a:bodyPr>
+            <a:lstStyle/>
+            <a:p>
+              <a:pPr indent="0" lvl="0" marL="0" rtl="0" algn="l">
+                <a:spcBef>
+                  <a:spcPts val="0"/>
+                </a:spcBef>
+                <a:spcAft>
+                  <a:spcPts val="1600"/>
+                </a:spcAft>
+                <a:buNone/>
+              </a:pPr>
+              <a:r>
+                <a:rPr lang="en" sz="700">
+                  <a:solidFill>
+                    <a:srgbClr val="24244C"/>
+                  </a:solidFill>
+                  <a:latin typeface="Roboto"/>
+                  <a:ea typeface="Roboto"/>
+                  <a:cs typeface="Roboto"/>
+                  <a:sym typeface="Roboto"/>
+                </a:rPr>
+                <a:t>Splitting the data into training, validation, and test datasets to be used during the core machine learning stages to produce the ML model</a:t>
+              </a:r>
+              <a:endParaRPr b="1" sz="700">
+                <a:latin typeface="Roboto"/>
+                <a:ea typeface="Roboto"/>
+                <a:cs typeface="Roboto"/>
+                <a:sym typeface="Roboto"/>
+              </a:endParaRPr>
+            </a:p>
+          </p:txBody>
+        </p:sp>
+      </p:grpSp>
+      <p:grpSp>
+        <p:nvGrpSpPr>
+          <p:cNvPr id="79" name="Google Shape;79;p14"/>
+          <p:cNvGrpSpPr/>
+          <p:nvPr/>
+        </p:nvGrpSpPr>
+        <p:grpSpPr>
+          <a:xfrm>
+            <a:off x="3794726" y="2156618"/>
+            <a:ext cx="2951024" cy="2460300"/>
+            <a:chOff x="3269751" y="1318143"/>
+            <a:chExt cx="2951024" cy="2460300"/>
+          </a:xfrm>
+        </p:grpSpPr>
+        <p:sp>
+          <p:nvSpPr>
+            <p:cNvPr id="80" name="Google Shape;80;p14"/>
+            <p:cNvSpPr/>
+            <p:nvPr/>
+          </p:nvSpPr>
+          <p:spPr>
+            <a:xfrm rot="2700000">
+              <a:off x="4255100" y="1053398"/>
+              <a:ext cx="489601" cy="2989789"/>
+            </a:xfrm>
+            <a:prstGeom prst="roundRect">
+              <a:avLst>
+                <a:gd fmla="val 50000" name="adj"/>
+              </a:avLst>
+            </a:prstGeom>
+            <a:solidFill>
+              <a:srgbClr val="0D5DDF"/>
+            </a:solidFill>
+            <a:ln>
+              <a:noFill/>
+            </a:ln>
+          </p:spPr>
+          <p:txBody>
+            <a:bodyPr anchorCtr="0" anchor="ctr" bIns="91425" lIns="91425" spcFirstLastPara="1" rIns="91425" wrap="square" tIns="91425">
+              <a:noAutofit/>
+            </a:bodyPr>
+            <a:lstStyle/>
+            <a:p>
+              <a:pPr indent="0" lvl="0" marL="0" rtl="0" algn="l">
+                <a:spcBef>
+                  <a:spcPts val="0"/>
+                </a:spcBef>
+                <a:spcAft>
+                  <a:spcPts val="0"/>
+                </a:spcAft>
+                <a:buNone/>
+              </a:pPr>
+              <a:r>
+                <a:t/>
+              </a:r>
+              <a:endParaRPr/>
+            </a:p>
+          </p:txBody>
+        </p:sp>
+        <p:sp>
+          <p:nvSpPr>
+            <p:cNvPr id="81" name="Google Shape;81;p14"/>
+            <p:cNvSpPr/>
+            <p:nvPr/>
+          </p:nvSpPr>
+          <p:spPr>
+            <a:xfrm>
+              <a:off x="3459197" y="3255512"/>
+              <a:ext cx="326100" cy="326100"/>
+            </a:xfrm>
+            <a:prstGeom prst="ellipse">
+              <a:avLst/>
+            </a:prstGeom>
+            <a:solidFill>
+              <a:srgbClr val="FFFFFF"/>
+            </a:solidFill>
+            <a:ln>
+              <a:noFill/>
+            </a:ln>
+            <a:effectLst>
+              <a:outerShdw blurRad="228600" rotWithShape="0" algn="tl" dir="5400000" dist="50800">
+                <a:srgbClr val="000000">
+                  <a:alpha val="54900"/>
+                </a:srgbClr>
+              </a:outerShdw>
+            </a:effectLst>
+          </p:spPr>
+          <p:txBody>
+            <a:bodyPr anchorCtr="0" anchor="ctr" bIns="91425" lIns="91425" spcFirstLastPara="1" rIns="91425" wrap="square" tIns="91425">
+              <a:noAutofit/>
+            </a:bodyPr>
+            <a:lstStyle/>
+            <a:p>
+              <a:pPr indent="0" lvl="0" marL="0" rtl="0" algn="l">
+                <a:spcBef>
+                  <a:spcPts val="0"/>
+                </a:spcBef>
+                <a:spcAft>
+                  <a:spcPts val="0"/>
+                </a:spcAft>
+                <a:buNone/>
+              </a:pPr>
+              <a:r>
+                <a:rPr b="1" lang="en" sz="900">
+                  <a:solidFill>
+                    <a:srgbClr val="0D5DDF"/>
+                  </a:solidFill>
+                  <a:latin typeface="Roboto"/>
+                  <a:ea typeface="Roboto"/>
+                  <a:cs typeface="Roboto"/>
+                  <a:sym typeface="Roboto"/>
+                </a:rPr>
+                <a:t>3</a:t>
+              </a:r>
+              <a:endParaRPr b="1" sz="900">
+                <a:solidFill>
+                  <a:srgbClr val="0D5DDF"/>
+                </a:solidFill>
+                <a:latin typeface="Roboto"/>
+                <a:ea typeface="Roboto"/>
+                <a:cs typeface="Roboto"/>
+                <a:sym typeface="Roboto"/>
+              </a:endParaRPr>
+            </a:p>
+          </p:txBody>
+        </p:sp>
+        <p:sp>
+          <p:nvSpPr>
+            <p:cNvPr id="82" name="Google Shape;82;p14"/>
+            <p:cNvSpPr txBox="1"/>
+            <p:nvPr/>
+          </p:nvSpPr>
+          <p:spPr>
+            <a:xfrm rot="-2700000">
+              <a:off x="3404724" y="2302799"/>
+              <a:ext cx="2362302" cy="342805"/>
+            </a:xfrm>
+            <a:prstGeom prst="rect">
+              <a:avLst/>
+            </a:prstGeom>
+            <a:noFill/>
+            <a:ln>
+              <a:noFill/>
+            </a:ln>
+          </p:spPr>
+          <p:txBody>
+            <a:bodyPr anchorCtr="0" anchor="ctr" bIns="91425" lIns="91425" spcFirstLastPara="1" rIns="91425" wrap="square" tIns="91425">
+              <a:noAutofit/>
+            </a:bodyPr>
+            <a:lstStyle/>
+            <a:p>
+              <a:pPr indent="0" lvl="0" marL="0" rtl="0" algn="l">
+                <a:lnSpc>
+                  <a:spcPct val="115000"/>
+                </a:lnSpc>
+                <a:spcBef>
+                  <a:spcPts val="0"/>
+                </a:spcBef>
+                <a:spcAft>
+                  <a:spcPts val="0"/>
+                </a:spcAft>
+                <a:buNone/>
+              </a:pPr>
+              <a:r>
+                <a:rPr b="1" lang="en" sz="1100">
+                  <a:solidFill>
+                    <a:srgbClr val="FFFFFF"/>
+                  </a:solidFill>
+                  <a:latin typeface="Roboto"/>
+                  <a:ea typeface="Roboto"/>
+                  <a:cs typeface="Roboto"/>
+                  <a:sym typeface="Roboto"/>
+                </a:rPr>
+                <a:t>Feature Engineering</a:t>
+              </a:r>
+              <a:endParaRPr b="1" sz="1100">
+                <a:solidFill>
+                  <a:srgbClr val="FFFFFF"/>
+                </a:solidFill>
+                <a:latin typeface="Roboto"/>
+                <a:ea typeface="Roboto"/>
+                <a:cs typeface="Roboto"/>
+                <a:sym typeface="Roboto"/>
+              </a:endParaRPr>
+            </a:p>
+          </p:txBody>
+        </p:sp>
+        <p:sp>
+          <p:nvSpPr>
+            <p:cNvPr id="83" name="Google Shape;83;p14"/>
+            <p:cNvSpPr txBox="1"/>
+            <p:nvPr/>
+          </p:nvSpPr>
+          <p:spPr>
+            <a:xfrm rot="-2700000">
+              <a:off x="3731833" y="2397821"/>
+              <a:ext cx="2732685" cy="442507"/>
+            </a:xfrm>
+            <a:prstGeom prst="rect">
+              <a:avLst/>
+            </a:prstGeom>
+            <a:noFill/>
+            <a:ln>
+              <a:noFill/>
+            </a:ln>
+          </p:spPr>
+          <p:txBody>
+            <a:bodyPr anchorCtr="0" anchor="t" bIns="91425" lIns="91425" spcFirstLastPara="1" rIns="91425" wrap="square" tIns="91425">
+              <a:noAutofit/>
+            </a:bodyPr>
+            <a:lstStyle/>
+            <a:p>
+              <a:pPr indent="0" lvl="0" marL="0" rtl="0" algn="l">
+                <a:spcBef>
+                  <a:spcPts val="0"/>
+                </a:spcBef>
+                <a:spcAft>
+                  <a:spcPts val="1600"/>
+                </a:spcAft>
+                <a:buNone/>
+              </a:pPr>
+              <a:r>
+                <a:rPr lang="en" sz="700">
+                  <a:solidFill>
+                    <a:srgbClr val="202124"/>
+                  </a:solidFill>
+                  <a:highlight>
+                    <a:srgbClr val="FFFFFF"/>
+                  </a:highlight>
+                  <a:latin typeface="Roboto"/>
+                  <a:ea typeface="Roboto"/>
+                  <a:cs typeface="Roboto"/>
+                  <a:sym typeface="Roboto"/>
+                </a:rPr>
+                <a:t>Refers to manipulation — addition, deletion, combination, mutation — of your data set to improve machine learning model training, leading to better performance and greater accuracy</a:t>
+              </a:r>
+              <a:endParaRPr sz="700">
+                <a:latin typeface="Roboto"/>
+                <a:ea typeface="Roboto"/>
+                <a:cs typeface="Roboto"/>
+                <a:sym typeface="Roboto"/>
+              </a:endParaRPr>
+            </a:p>
+          </p:txBody>
+        </p:sp>
+      </p:grpSp>
+      <p:grpSp>
+        <p:nvGrpSpPr>
+          <p:cNvPr id="84" name="Google Shape;84;p14"/>
+          <p:cNvGrpSpPr/>
+          <p:nvPr/>
+        </p:nvGrpSpPr>
+        <p:grpSpPr>
+          <a:xfrm>
+            <a:off x="2301601" y="2156618"/>
+            <a:ext cx="2604522" cy="2460300"/>
+            <a:chOff x="1776626" y="1318143"/>
+            <a:chExt cx="2604522" cy="2460300"/>
+          </a:xfrm>
+        </p:grpSpPr>
+        <p:grpSp>
+          <p:nvGrpSpPr>
+            <p:cNvPr id="85" name="Google Shape;85;p14"/>
+            <p:cNvGrpSpPr/>
+            <p:nvPr/>
+          </p:nvGrpSpPr>
+          <p:grpSpPr>
+            <a:xfrm>
+              <a:off x="1776626" y="1318143"/>
+              <a:ext cx="2604522" cy="2460300"/>
+              <a:chOff x="1776626" y="1318143"/>
+              <a:chExt cx="2604522" cy="2460300"/>
+            </a:xfrm>
+          </p:grpSpPr>
+          <p:sp>
+            <p:nvSpPr>
+              <p:cNvPr id="86" name="Google Shape;86;p14"/>
+              <p:cNvSpPr/>
+              <p:nvPr/>
+            </p:nvSpPr>
+            <p:spPr>
+              <a:xfrm rot="2700000">
+                <a:off x="2761975" y="1053398"/>
+                <a:ext cx="489601" cy="2989789"/>
+              </a:xfrm>
+              <a:prstGeom prst="roundRect">
+                <a:avLst>
+                  <a:gd fmla="val 50000" name="adj"/>
+                </a:avLst>
+              </a:prstGeom>
+              <a:solidFill>
+                <a:srgbClr val="0C58D3"/>
+              </a:solidFill>
+              <a:ln>
+                <a:noFill/>
+              </a:ln>
+            </p:spPr>
+            <p:txBody>
+              <a:bodyPr anchorCtr="0" anchor="ctr" bIns="91425" lIns="91425" spcFirstLastPara="1" rIns="91425" wrap="square" tIns="91425">
+                <a:noAutofit/>
+              </a:bodyPr>
+              <a:lstStyle/>
+              <a:p>
+                <a:pPr indent="0" lvl="0" marL="0" rtl="0" algn="l">
+                  <a:spcBef>
+                    <a:spcPts val="0"/>
+                  </a:spcBef>
+                  <a:spcAft>
+                    <a:spcPts val="0"/>
+                  </a:spcAft>
+                  <a:buNone/>
+                </a:pPr>
+                <a:r>
+                  <a:t/>
+                </a:r>
+                <a:endParaRPr/>
+              </a:p>
+            </p:txBody>
+          </p:sp>
+          <p:sp>
+            <p:nvSpPr>
+              <p:cNvPr id="87" name="Google Shape;87;p14"/>
+              <p:cNvSpPr txBox="1"/>
+              <p:nvPr/>
+            </p:nvSpPr>
+            <p:spPr>
+              <a:xfrm rot="-2700000">
+                <a:off x="1899549" y="2297849"/>
+                <a:ext cx="2376303" cy="342805"/>
+              </a:xfrm>
+              <a:prstGeom prst="rect">
+                <a:avLst/>
+              </a:prstGeom>
+              <a:noFill/>
+              <a:ln>
+                <a:noFill/>
+              </a:ln>
+            </p:spPr>
+            <p:txBody>
+              <a:bodyPr anchorCtr="0" anchor="ctr" bIns="91425" lIns="91425" spcFirstLastPara="1" rIns="91425" wrap="square" tIns="91425">
+                <a:noAutofit/>
+              </a:bodyPr>
+              <a:lstStyle/>
+              <a:p>
+                <a:pPr indent="0" lvl="0" marL="0" rtl="0" algn="l">
+                  <a:lnSpc>
+                    <a:spcPct val="115000"/>
+                  </a:lnSpc>
+                  <a:spcBef>
+                    <a:spcPts val="0"/>
+                  </a:spcBef>
+                  <a:spcAft>
+                    <a:spcPts val="0"/>
+                  </a:spcAft>
+                  <a:buNone/>
+                </a:pPr>
+                <a:r>
+                  <a:rPr b="1" lang="en" sz="1100">
+                    <a:solidFill>
+                      <a:srgbClr val="FFFFFF"/>
+                    </a:solidFill>
+                    <a:latin typeface="Roboto"/>
+                    <a:ea typeface="Roboto"/>
+                    <a:cs typeface="Roboto"/>
+                    <a:sym typeface="Roboto"/>
+                  </a:rPr>
+                  <a:t>Data Cleansing </a:t>
+                </a:r>
+                <a:endParaRPr b="1" sz="1100">
+                  <a:solidFill>
+                    <a:srgbClr val="FFFFFF"/>
+                  </a:solidFill>
+                  <a:latin typeface="Roboto"/>
+                  <a:ea typeface="Roboto"/>
+                  <a:cs typeface="Roboto"/>
+                  <a:sym typeface="Roboto"/>
+                </a:endParaRPr>
+              </a:p>
+            </p:txBody>
+          </p:sp>
+          <p:sp>
+            <p:nvSpPr>
+              <p:cNvPr id="88" name="Google Shape;88;p14"/>
+              <p:cNvSpPr txBox="1"/>
+              <p:nvPr/>
+            </p:nvSpPr>
+            <p:spPr>
+              <a:xfrm rot="-2700000">
+                <a:off x="2310468" y="2571061"/>
+                <a:ext cx="2242660" cy="442507"/>
+              </a:xfrm>
+              <a:prstGeom prst="rect">
+                <a:avLst/>
+              </a:prstGeom>
+              <a:noFill/>
+              <a:ln>
+                <a:noFill/>
+              </a:ln>
+            </p:spPr>
+            <p:txBody>
+              <a:bodyPr anchorCtr="0" anchor="t" bIns="91425" lIns="91425" spcFirstLastPara="1" rIns="91425" wrap="square" tIns="91425">
+                <a:noAutofit/>
+              </a:bodyPr>
+              <a:lstStyle/>
+              <a:p>
+                <a:pPr indent="0" lvl="0" marL="0" rtl="0" algn="l">
+                  <a:spcBef>
+                    <a:spcPts val="0"/>
+                  </a:spcBef>
+                  <a:spcAft>
+                    <a:spcPts val="1600"/>
+                  </a:spcAft>
+                  <a:buNone/>
+                </a:pPr>
+                <a:r>
+                  <a:rPr lang="en" sz="700">
+                    <a:solidFill>
+                      <a:srgbClr val="24244C"/>
+                    </a:solidFill>
+                    <a:latin typeface="Roboto"/>
+                    <a:ea typeface="Roboto"/>
+                    <a:cs typeface="Roboto"/>
+                    <a:sym typeface="Roboto"/>
+                  </a:rPr>
+                  <a:t>The process of re-formatting particular attributes and correcting errors in data, such as missing values</a:t>
+                </a:r>
+                <a:endParaRPr b="1" sz="700">
+                  <a:latin typeface="Roboto"/>
+                  <a:ea typeface="Roboto"/>
+                  <a:cs typeface="Roboto"/>
+                  <a:sym typeface="Roboto"/>
+                </a:endParaRPr>
+              </a:p>
+            </p:txBody>
+          </p:sp>
+        </p:grpSp>
+        <p:sp>
+          <p:nvSpPr>
+            <p:cNvPr id="89" name="Google Shape;89;p14"/>
+            <p:cNvSpPr/>
+            <p:nvPr/>
+          </p:nvSpPr>
+          <p:spPr>
+            <a:xfrm>
+              <a:off x="1966072" y="3255512"/>
+              <a:ext cx="326100" cy="326100"/>
+            </a:xfrm>
+            <a:prstGeom prst="ellipse">
+              <a:avLst/>
+            </a:prstGeom>
+            <a:solidFill>
+              <a:srgbClr val="FFFFFF"/>
+            </a:solidFill>
+            <a:ln>
+              <a:noFill/>
+            </a:ln>
+            <a:effectLst>
+              <a:outerShdw blurRad="228600" rotWithShape="0" algn="tl" dir="5400000" dist="50800">
+                <a:srgbClr val="000000">
+                  <a:alpha val="54900"/>
+                </a:srgbClr>
+              </a:outerShdw>
+            </a:effectLst>
+          </p:spPr>
+          <p:txBody>
+            <a:bodyPr anchorCtr="0" anchor="ctr" bIns="91425" lIns="91425" spcFirstLastPara="1" rIns="91425" wrap="square" tIns="91425">
+              <a:noAutofit/>
+            </a:bodyPr>
+            <a:lstStyle/>
+            <a:p>
+              <a:pPr indent="0" lvl="0" marL="0" rtl="0" algn="l">
+                <a:spcBef>
+                  <a:spcPts val="0"/>
+                </a:spcBef>
+                <a:spcAft>
+                  <a:spcPts val="0"/>
+                </a:spcAft>
+                <a:buNone/>
+              </a:pPr>
+              <a:r>
+                <a:rPr b="1" lang="en" sz="900">
+                  <a:solidFill>
+                    <a:srgbClr val="0C58D3"/>
+                  </a:solidFill>
+                  <a:latin typeface="Roboto"/>
+                  <a:ea typeface="Roboto"/>
+                  <a:cs typeface="Roboto"/>
+                  <a:sym typeface="Roboto"/>
+                </a:rPr>
+                <a:t>2</a:t>
+              </a:r>
+              <a:endParaRPr b="1" sz="900">
+                <a:solidFill>
+                  <a:srgbClr val="0C58D3"/>
+                </a:solidFill>
+                <a:latin typeface="Roboto"/>
+                <a:ea typeface="Roboto"/>
+                <a:cs typeface="Roboto"/>
+                <a:sym typeface="Roboto"/>
+              </a:endParaRPr>
+            </a:p>
+          </p:txBody>
+        </p:sp>
+      </p:grpSp>
+      <p:grpSp>
+        <p:nvGrpSpPr>
+          <p:cNvPr id="90" name="Google Shape;90;p14"/>
+          <p:cNvGrpSpPr/>
+          <p:nvPr/>
+        </p:nvGrpSpPr>
+        <p:grpSpPr>
+          <a:xfrm>
+            <a:off x="809934" y="2156618"/>
+            <a:ext cx="2713115" cy="2460300"/>
+            <a:chOff x="284959" y="1318143"/>
+            <a:chExt cx="2713115" cy="2460300"/>
+          </a:xfrm>
+        </p:grpSpPr>
+        <p:sp>
+          <p:nvSpPr>
+            <p:cNvPr id="91" name="Google Shape;91;p14"/>
+            <p:cNvSpPr/>
+            <p:nvPr/>
+          </p:nvSpPr>
+          <p:spPr>
+            <a:xfrm rot="2700000">
+              <a:off x="1270309" y="1053398"/>
+              <a:ext cx="489601" cy="2989789"/>
+            </a:xfrm>
+            <a:prstGeom prst="roundRect">
+              <a:avLst>
+                <a:gd fmla="val 50000" name="adj"/>
+              </a:avLst>
+            </a:prstGeom>
+            <a:solidFill>
+              <a:srgbClr val="0944A1"/>
+            </a:solidFill>
+            <a:ln>
+              <a:noFill/>
+            </a:ln>
+          </p:spPr>
+          <p:txBody>
+            <a:bodyPr anchorCtr="0" anchor="ctr" bIns="91425" lIns="91425" spcFirstLastPara="1" rIns="91425" wrap="square" tIns="91425">
+              <a:noAutofit/>
+            </a:bodyPr>
+            <a:lstStyle/>
+            <a:p>
+              <a:pPr indent="0" lvl="0" marL="0" rtl="0" algn="l">
+                <a:spcBef>
+                  <a:spcPts val="0"/>
+                </a:spcBef>
+                <a:spcAft>
+                  <a:spcPts val="0"/>
+                </a:spcAft>
+                <a:buNone/>
+              </a:pPr>
+              <a:r>
+                <a:t/>
+              </a:r>
+              <a:endParaRPr/>
+            </a:p>
+          </p:txBody>
+        </p:sp>
+        <p:sp>
+          <p:nvSpPr>
+            <p:cNvPr id="92" name="Google Shape;92;p14"/>
+            <p:cNvSpPr/>
+            <p:nvPr/>
+          </p:nvSpPr>
+          <p:spPr>
+            <a:xfrm>
+              <a:off x="472955" y="3255512"/>
+              <a:ext cx="326100" cy="326100"/>
+            </a:xfrm>
+            <a:prstGeom prst="ellipse">
+              <a:avLst/>
+            </a:prstGeom>
+            <a:solidFill>
+              <a:srgbClr val="FFFFFF"/>
+            </a:solidFill>
+            <a:ln>
+              <a:noFill/>
+            </a:ln>
+            <a:effectLst>
+              <a:outerShdw blurRad="228600" rotWithShape="0" algn="tl" dir="5400000" dist="50800">
+                <a:srgbClr val="000000">
+                  <a:alpha val="54900"/>
+                </a:srgbClr>
+              </a:outerShdw>
+            </a:effectLst>
+          </p:spPr>
+          <p:txBody>
+            <a:bodyPr anchorCtr="0" anchor="ctr" bIns="91425" lIns="91425" spcFirstLastPara="1" rIns="91425" wrap="square" tIns="91425">
+              <a:noAutofit/>
+            </a:bodyPr>
+            <a:lstStyle/>
+            <a:p>
+              <a:pPr indent="0" lvl="0" marL="0" rtl="0" algn="l">
+                <a:spcBef>
+                  <a:spcPts val="0"/>
+                </a:spcBef>
+                <a:spcAft>
+                  <a:spcPts val="0"/>
+                </a:spcAft>
+                <a:buNone/>
+              </a:pPr>
+              <a:r>
+                <a:rPr b="1" lang="en" sz="900">
+                  <a:solidFill>
+                    <a:srgbClr val="0944A1"/>
+                  </a:solidFill>
+                  <a:latin typeface="Roboto"/>
+                  <a:ea typeface="Roboto"/>
+                  <a:cs typeface="Roboto"/>
+                  <a:sym typeface="Roboto"/>
+                </a:rPr>
+                <a:t>1</a:t>
+              </a:r>
+              <a:endParaRPr b="1" sz="900">
+                <a:solidFill>
+                  <a:srgbClr val="0944A1"/>
+                </a:solidFill>
+                <a:latin typeface="Roboto"/>
+                <a:ea typeface="Roboto"/>
+                <a:cs typeface="Roboto"/>
+                <a:sym typeface="Roboto"/>
+              </a:endParaRPr>
+            </a:p>
+          </p:txBody>
+        </p:sp>
+        <p:sp>
+          <p:nvSpPr>
+            <p:cNvPr id="93" name="Google Shape;93;p14"/>
+            <p:cNvSpPr txBox="1"/>
+            <p:nvPr/>
+          </p:nvSpPr>
+          <p:spPr>
+            <a:xfrm rot="-2700000">
+              <a:off x="414317" y="2300549"/>
+              <a:ext cx="2368666" cy="342805"/>
+            </a:xfrm>
+            <a:prstGeom prst="rect">
+              <a:avLst/>
+            </a:prstGeom>
+            <a:noFill/>
+            <a:ln>
+              <a:noFill/>
+            </a:ln>
+          </p:spPr>
+          <p:txBody>
+            <a:bodyPr anchorCtr="0" anchor="ctr" bIns="91425" lIns="91425" spcFirstLastPara="1" rIns="91425" wrap="square" tIns="91425">
+              <a:noAutofit/>
+            </a:bodyPr>
+            <a:lstStyle/>
+            <a:p>
+              <a:pPr indent="0" lvl="0" marL="0" rtl="0" algn="l">
+                <a:lnSpc>
+                  <a:spcPct val="115000"/>
+                </a:lnSpc>
+                <a:spcBef>
+                  <a:spcPts val="0"/>
+                </a:spcBef>
+                <a:spcAft>
+                  <a:spcPts val="0"/>
+                </a:spcAft>
+                <a:buNone/>
+              </a:pPr>
+              <a:r>
+                <a:rPr b="1" lang="en" sz="1100">
+                  <a:solidFill>
+                    <a:srgbClr val="FFFFFF"/>
+                  </a:solidFill>
+                  <a:latin typeface="Roboto"/>
+                  <a:ea typeface="Roboto"/>
+                  <a:cs typeface="Roboto"/>
+                  <a:sym typeface="Roboto"/>
+                </a:rPr>
+                <a:t>Finding Data</a:t>
+              </a:r>
+              <a:endParaRPr b="1" sz="1100">
+                <a:solidFill>
+                  <a:srgbClr val="FFFFFF"/>
+                </a:solidFill>
+                <a:latin typeface="Roboto"/>
+                <a:ea typeface="Roboto"/>
+                <a:cs typeface="Roboto"/>
+                <a:sym typeface="Roboto"/>
+              </a:endParaRPr>
+            </a:p>
+          </p:txBody>
+        </p:sp>
+        <p:sp>
+          <p:nvSpPr>
+            <p:cNvPr id="94" name="Google Shape;94;p14"/>
+            <p:cNvSpPr txBox="1"/>
+            <p:nvPr/>
+          </p:nvSpPr>
+          <p:spPr>
+            <a:xfrm rot="-2700000">
+              <a:off x="796303" y="2516768"/>
+              <a:ext cx="2396243" cy="442507"/>
+            </a:xfrm>
+            <a:prstGeom prst="rect">
+              <a:avLst/>
+            </a:prstGeom>
+            <a:noFill/>
+            <a:ln>
+              <a:noFill/>
+            </a:ln>
+          </p:spPr>
+          <p:txBody>
+            <a:bodyPr anchorCtr="0" anchor="t" bIns="91425" lIns="91425" spcFirstLastPara="1" rIns="91425" wrap="square" tIns="91425">
+              <a:noAutofit/>
+            </a:bodyPr>
+            <a:lstStyle/>
+            <a:p>
+              <a:pPr indent="0" lvl="0" marL="0" rtl="0" algn="l">
+                <a:spcBef>
+                  <a:spcPts val="0"/>
+                </a:spcBef>
+                <a:spcAft>
+                  <a:spcPts val="1600"/>
+                </a:spcAft>
+                <a:buNone/>
+              </a:pPr>
+              <a:r>
+                <a:rPr lang="en" sz="700">
+                  <a:latin typeface="Roboto"/>
+                  <a:ea typeface="Roboto"/>
+                  <a:cs typeface="Roboto"/>
+                  <a:sym typeface="Roboto"/>
+                </a:rPr>
+                <a:t>Identify source(s) of data which is relevant to solve the problem, this can be from a business app, public data source, might include synthetic data generation</a:t>
+              </a:r>
+              <a:endParaRPr b="1" sz="700">
+                <a:latin typeface="Roboto"/>
+                <a:ea typeface="Roboto"/>
+                <a:cs typeface="Roboto"/>
+                <a:sym typeface="Roboto"/>
+              </a:endParaRPr>
+            </a:p>
+          </p:txBody>
+        </p:sp>
+      </p:grpSp>
+    </p:spTree>
+  </p:cSld>
+  <p:clrMapOvr>
+    <a:masterClrMapping/>
+  </p:clrMapOvr>
+</p:sld>
+</file>
+
+<file path=ppt/slides/slide3.xml><?xml version="1.0" encoding="utf-8"?>
+<p:sld xmlns:a="http://schemas.openxmlformats.org/drawingml/2006/main" xmlns:r="http://schemas.openxmlformats.org/officeDocument/2006/relationships" xmlns:mc="http://schemas.openxmlformats.org/markup-compatibility/2006" xmlns:mv="urn:schemas-microsoft-com:mac:vml" xmlns:p="http://schemas.openxmlformats.org/presentationml/2006/main" xmlns:c="http://schemas.openxmlformats.org/drawingml/2006/chart" xmlns:dgm="http://schemas.openxmlformats.org/drawingml/2006/diagram" xmlns:o="urn:schemas-microsoft-com:office:office" xmlns:v="urn:schemas-microsoft-com:vml" xmlns:pvml="urn:schemas-microsoft-com:office:powerpoint" xmlns:com="http://schemas.openxmlformats.org/drawingml/2006/compatibility" xmlns:p14="http://schemas.microsoft.com/office/powerpoint/2010/main" xmlns:p15="http://schemas.microsoft.com/office/powerpoint/2012/main" xmlns:ahyp="http://schemas.microsoft.com/office/drawing/2018/hyperlinkcolor">
+  <p:cSld>
+    <p:bg>
+      <p:bgPr>
+        <a:solidFill>
+          <a:schemeClr val="accent1"/>
+        </a:solidFill>
+      </p:bgPr>
+    </p:bg>
+    <p:spTree>
+      <p:nvGrpSpPr>
+        <p:cNvPr id="98" name="Shape 98"/>
+        <p:cNvGrpSpPr/>
+        <p:nvPr/>
+      </p:nvGrpSpPr>
+      <p:grpSpPr>
+        <a:xfrm>
+          <a:off x="0" y="0"/>
+          <a:ext cx="0" cy="0"/>
+          <a:chOff x="0" y="0"/>
+          <a:chExt cx="0" cy="0"/>
+        </a:xfrm>
+      </p:grpSpPr>
+      <p:pic>
+        <p:nvPicPr>
+          <p:cNvPr id="99" name="Google Shape;99;p15"/>
+          <p:cNvPicPr preferRelativeResize="0"/>
+          <p:nvPr/>
+        </p:nvPicPr>
+        <p:blipFill>
+          <a:blip r:embed="rId3">
+            <a:alphaModFix/>
+          </a:blip>
+          <a:stretch>
+            <a:fillRect/>
+          </a:stretch>
+        </p:blipFill>
+        <p:spPr>
+          <a:xfrm>
+            <a:off x="3321200" y="1879175"/>
+            <a:ext cx="2351027" cy="1301775"/>
+          </a:xfrm>
+          <a:prstGeom prst="rect">
+            <a:avLst/>
+          </a:prstGeom>
+          <a:noFill/>
+          <a:ln>
+            <a:noFill/>
+          </a:ln>
+        </p:spPr>
+      </p:pic>
+    </p:spTree>
+  </p:cSld>
+  <p:clrMapOvr>
+    <a:masterClrMapping/>
+  </p:clrMapOvr>
+</p:sld>
+</file>
+
+<file path=ppt/slides/slide4.xml><?xml version="1.0" encoding="utf-8"?>
+<p:sld xmlns:a="http://schemas.openxmlformats.org/drawingml/2006/main" xmlns:r="http://schemas.openxmlformats.org/officeDocument/2006/relationships" xmlns:mc="http://schemas.openxmlformats.org/markup-compatibility/2006" xmlns:mv="urn:schemas-microsoft-com:mac:vml" xmlns:p="http://schemas.openxmlformats.org/presentationml/2006/main" xmlns:c="http://schemas.openxmlformats.org/drawingml/2006/chart" xmlns:dgm="http://schemas.openxmlformats.org/drawingml/2006/diagram" xmlns:o="urn:schemas-microsoft-com:office:office" xmlns:v="urn:schemas-microsoft-com:vml" xmlns:pvml="urn:schemas-microsoft-com:office:powerpoint" xmlns:com="http://schemas.openxmlformats.org/drawingml/2006/compatibility" xmlns:p14="http://schemas.microsoft.com/office/powerpoint/2010/main" xmlns:p15="http://schemas.microsoft.com/office/powerpoint/2012/main" xmlns:ahyp="http://schemas.microsoft.com/office/drawing/2018/hyperlinkcolor">
+  <p:cSld>
+    <p:bg>
+      <p:bgPr>
+        <a:solidFill>
+          <a:schemeClr val="accent1"/>
+        </a:solidFill>
+      </p:bgPr>
+    </p:bg>
+    <p:spTree>
+      <p:nvGrpSpPr>
+        <p:cNvPr id="103" name="Shape 103"/>
+        <p:cNvGrpSpPr/>
+        <p:nvPr/>
+      </p:nvGrpSpPr>
+      <p:grpSpPr>
+        <a:xfrm>
+          <a:off x="0" y="0"/>
+          <a:ext cx="0" cy="0"/>
+          <a:chOff x="0" y="0"/>
+          <a:chExt cx="0" cy="0"/>
+        </a:xfrm>
+      </p:grpSpPr>
+      <p:sp>
+        <p:nvSpPr>
+          <p:cNvPr id="104" name="Google Shape;104;p16"/>
           <p:cNvSpPr txBox="1"/>
           <p:nvPr>
             <p:ph type="title"/>
@@ -8932,7 +11315,7 @@
       </p:sp>
       <p:sp>
         <p:nvSpPr>
-          <p:cNvPr id="73" name="Google Shape;73;p14"/>
+          <p:cNvPr id="105" name="Google Shape;105;p16"/>
           <p:cNvSpPr txBox="1"/>
           <p:nvPr/>
         </p:nvSpPr>
@@ -9045,7 +11428,7 @@
       </p:sp>
       <p:pic>
         <p:nvPicPr>
-          <p:cNvPr id="74" name="Google Shape;74;p14"/>
+          <p:cNvPr id="106" name="Google Shape;106;p16"/>
           <p:cNvPicPr preferRelativeResize="0"/>
           <p:nvPr/>
         </p:nvPicPr>
@@ -9079,7 +11462,7 @@
 </p:sld>
 </file>
 
-<file path=ppt/slides/slide3.xml><?xml version="1.0" encoding="utf-8"?>
+<file path=ppt/slides/slide5.xml><?xml version="1.0" encoding="utf-8"?>
 <p:sld xmlns:a="http://schemas.openxmlformats.org/drawingml/2006/main" xmlns:r="http://schemas.openxmlformats.org/officeDocument/2006/relationships" xmlns:mc="http://schemas.openxmlformats.org/markup-compatibility/2006" xmlns:mv="urn:schemas-microsoft-com:mac:vml" xmlns:p="http://schemas.openxmlformats.org/presentationml/2006/main" xmlns:c="http://schemas.openxmlformats.org/drawingml/2006/chart" xmlns:dgm="http://schemas.openxmlformats.org/drawingml/2006/diagram" xmlns:o="urn:schemas-microsoft-com:office:office" xmlns:v="urn:schemas-microsoft-com:vml" xmlns:pvml="urn:schemas-microsoft-com:office:powerpoint" xmlns:com="http://schemas.openxmlformats.org/drawingml/2006/compatibility" xmlns:p14="http://schemas.microsoft.com/office/powerpoint/2010/main" xmlns:p15="http://schemas.microsoft.com/office/powerpoint/2012/main" xmlns:ahyp="http://schemas.microsoft.com/office/drawing/2018/hyperlinkcolor">
   <p:cSld>
     <p:bg>
@@ -9091,7 +11474,7 @@
     </p:bg>
     <p:spTree>
       <p:nvGrpSpPr>
-        <p:cNvPr id="78" name="Shape 78"/>
+        <p:cNvPr id="110" name="Shape 110"/>
         <p:cNvGrpSpPr/>
         <p:nvPr/>
       </p:nvGrpSpPr>
@@ -9105,7 +11488,7 @@
       </p:grpSpPr>
       <p:sp>
         <p:nvSpPr>
-          <p:cNvPr id="79" name="Google Shape;79;p15"/>
+          <p:cNvPr id="111" name="Google Shape;111;p17"/>
           <p:cNvSpPr txBox="1"/>
           <p:nvPr>
             <p:ph type="title"/>
@@ -9145,7 +11528,7 @@
       </p:sp>
       <p:sp>
         <p:nvSpPr>
-          <p:cNvPr id="80" name="Google Shape;80;p15"/>
+          <p:cNvPr id="112" name="Google Shape;112;p17"/>
           <p:cNvSpPr txBox="1"/>
           <p:nvPr>
             <p:ph idx="1" type="body"/>
@@ -9298,7 +11681,7 @@
 </p:sld>
 </file>
 
-<file path=ppt/slides/slide4.xml><?xml version="1.0" encoding="utf-8"?>
+<file path=ppt/slides/slide6.xml><?xml version="1.0" encoding="utf-8"?>
 <p:sld xmlns:a="http://schemas.openxmlformats.org/drawingml/2006/main" xmlns:r="http://schemas.openxmlformats.org/officeDocument/2006/relationships" xmlns:mc="http://schemas.openxmlformats.org/markup-compatibility/2006" xmlns:mv="urn:schemas-microsoft-com:mac:vml" xmlns:p="http://schemas.openxmlformats.org/presentationml/2006/main" xmlns:c="http://schemas.openxmlformats.org/drawingml/2006/chart" xmlns:dgm="http://schemas.openxmlformats.org/drawingml/2006/diagram" xmlns:o="urn:schemas-microsoft-com:office:office" xmlns:v="urn:schemas-microsoft-com:vml" xmlns:pvml="urn:schemas-microsoft-com:office:powerpoint" xmlns:com="http://schemas.openxmlformats.org/drawingml/2006/compatibility" xmlns:p14="http://schemas.microsoft.com/office/powerpoint/2010/main" xmlns:p15="http://schemas.microsoft.com/office/powerpoint/2012/main" xmlns:ahyp="http://schemas.microsoft.com/office/drawing/2018/hyperlinkcolor" show="0">
   <p:cSld>
     <p:bg>
@@ -9310,7 +11693,7 @@
     </p:bg>
     <p:spTree>
       <p:nvGrpSpPr>
-        <p:cNvPr id="84" name="Shape 84"/>
+        <p:cNvPr id="116" name="Shape 116"/>
         <p:cNvGrpSpPr/>
         <p:nvPr/>
       </p:nvGrpSpPr>
@@ -9324,7 +11707,7 @@
       </p:grpSpPr>
       <p:sp>
         <p:nvSpPr>
-          <p:cNvPr id="85" name="Google Shape;85;p16"/>
+          <p:cNvPr id="117" name="Google Shape;117;p18"/>
           <p:cNvSpPr txBox="1"/>
           <p:nvPr>
             <p:ph type="title"/>
@@ -9364,7 +11747,7 @@
       </p:sp>
       <p:sp>
         <p:nvSpPr>
-          <p:cNvPr id="86" name="Google Shape;86;p16"/>
+          <p:cNvPr id="118" name="Google Shape;118;p18"/>
           <p:cNvSpPr txBox="1"/>
           <p:nvPr>
             <p:ph idx="1" type="body"/>
@@ -9602,7 +11985,7 @@
 </p:sld>
 </file>
 
-<file path=ppt/slides/slide5.xml><?xml version="1.0" encoding="utf-8"?>
+<file path=ppt/slides/slide7.xml><?xml version="1.0" encoding="utf-8"?>
 <p:sld xmlns:a="http://schemas.openxmlformats.org/drawingml/2006/main" xmlns:r="http://schemas.openxmlformats.org/officeDocument/2006/relationships" xmlns:mc="http://schemas.openxmlformats.org/markup-compatibility/2006" xmlns:mv="urn:schemas-microsoft-com:mac:vml" xmlns:p="http://schemas.openxmlformats.org/presentationml/2006/main" xmlns:c="http://schemas.openxmlformats.org/drawingml/2006/chart" xmlns:dgm="http://schemas.openxmlformats.org/drawingml/2006/diagram" xmlns:o="urn:schemas-microsoft-com:office:office" xmlns:v="urn:schemas-microsoft-com:vml" xmlns:pvml="urn:schemas-microsoft-com:office:powerpoint" xmlns:com="http://schemas.openxmlformats.org/drawingml/2006/compatibility" xmlns:p14="http://schemas.microsoft.com/office/powerpoint/2010/main" xmlns:p15="http://schemas.microsoft.com/office/powerpoint/2012/main" xmlns:ahyp="http://schemas.microsoft.com/office/drawing/2018/hyperlinkcolor">
   <p:cSld>
     <p:bg>
@@ -9614,7 +11997,7 @@
     </p:bg>
     <p:spTree>
       <p:nvGrpSpPr>
-        <p:cNvPr id="90" name="Shape 90"/>
+        <p:cNvPr id="122" name="Shape 122"/>
         <p:cNvGrpSpPr/>
         <p:nvPr/>
       </p:nvGrpSpPr>
@@ -9628,7 +12011,7 @@
       </p:grpSpPr>
       <p:sp>
         <p:nvSpPr>
-          <p:cNvPr id="91" name="Google Shape;91;p17"/>
+          <p:cNvPr id="123" name="Google Shape;123;p19"/>
           <p:cNvSpPr txBox="1"/>
           <p:nvPr>
             <p:ph type="title"/>
@@ -9668,7 +12051,7 @@
       </p:sp>
       <p:sp>
         <p:nvSpPr>
-          <p:cNvPr id="92" name="Google Shape;92;p17"/>
+          <p:cNvPr id="124" name="Google Shape;124;p19"/>
           <p:cNvSpPr txBox="1"/>
           <p:nvPr>
             <p:ph idx="1" type="body"/>
@@ -9972,7 +12355,7 @@
 </p:sld>
 </file>
 
-<file path=ppt/slides/slide6.xml><?xml version="1.0" encoding="utf-8"?>
+<file path=ppt/slides/slide8.xml><?xml version="1.0" encoding="utf-8"?>
 <p:sld xmlns:a="http://schemas.openxmlformats.org/drawingml/2006/main" xmlns:r="http://schemas.openxmlformats.org/officeDocument/2006/relationships" xmlns:mc="http://schemas.openxmlformats.org/markup-compatibility/2006" xmlns:mv="urn:schemas-microsoft-com:mac:vml" xmlns:p="http://schemas.openxmlformats.org/presentationml/2006/main" xmlns:c="http://schemas.openxmlformats.org/drawingml/2006/chart" xmlns:dgm="http://schemas.openxmlformats.org/drawingml/2006/diagram" xmlns:o="urn:schemas-microsoft-com:office:office" xmlns:v="urn:schemas-microsoft-com:vml" xmlns:pvml="urn:schemas-microsoft-com:office:powerpoint" xmlns:com="http://schemas.openxmlformats.org/drawingml/2006/compatibility" xmlns:p14="http://schemas.microsoft.com/office/powerpoint/2010/main" xmlns:p15="http://schemas.microsoft.com/office/powerpoint/2012/main" xmlns:ahyp="http://schemas.microsoft.com/office/drawing/2018/hyperlinkcolor">
   <p:cSld>
     <p:bg>
@@ -9984,7 +12367,7 @@
     </p:bg>
     <p:spTree>
       <p:nvGrpSpPr>
-        <p:cNvPr id="96" name="Shape 96"/>
+        <p:cNvPr id="128" name="Shape 128"/>
         <p:cNvGrpSpPr/>
         <p:nvPr/>
       </p:nvGrpSpPr>
@@ -9998,7 +12381,7 @@
       </p:grpSpPr>
       <p:sp>
         <p:nvSpPr>
-          <p:cNvPr id="97" name="Google Shape;97;p18"/>
+          <p:cNvPr id="129" name="Google Shape;129;p20"/>
           <p:cNvSpPr txBox="1"/>
           <p:nvPr>
             <p:ph type="title"/>
@@ -10038,7 +12421,7 @@
       </p:sp>
       <p:sp>
         <p:nvSpPr>
-          <p:cNvPr id="98" name="Google Shape;98;p18"/>
+          <p:cNvPr id="130" name="Google Shape;130;p20"/>
           <p:cNvSpPr txBox="1"/>
           <p:nvPr>
             <p:ph idx="1" type="body"/>
@@ -10212,7 +12595,7 @@
 </p:sld>
 </file>
 
-<file path=ppt/slides/slide7.xml><?xml version="1.0" encoding="utf-8"?>
+<file path=ppt/slides/slide9.xml><?xml version="1.0" encoding="utf-8"?>
 <p:sld xmlns:a="http://schemas.openxmlformats.org/drawingml/2006/main" xmlns:r="http://schemas.openxmlformats.org/officeDocument/2006/relationships" xmlns:mc="http://schemas.openxmlformats.org/markup-compatibility/2006" xmlns:mv="urn:schemas-microsoft-com:mac:vml" xmlns:p="http://schemas.openxmlformats.org/presentationml/2006/main" xmlns:c="http://schemas.openxmlformats.org/drawingml/2006/chart" xmlns:dgm="http://schemas.openxmlformats.org/drawingml/2006/diagram" xmlns:o="urn:schemas-microsoft-com:office:office" xmlns:v="urn:schemas-microsoft-com:vml" xmlns:pvml="urn:schemas-microsoft-com:office:powerpoint" xmlns:com="http://schemas.openxmlformats.org/drawingml/2006/compatibility" xmlns:p14="http://schemas.microsoft.com/office/powerpoint/2010/main" xmlns:p15="http://schemas.microsoft.com/office/powerpoint/2012/main" xmlns:ahyp="http://schemas.microsoft.com/office/drawing/2018/hyperlinkcolor">
   <p:cSld>
     <p:bg>
@@ -10224,7 +12607,7 @@
     </p:bg>
     <p:spTree>
       <p:nvGrpSpPr>
-        <p:cNvPr id="102" name="Shape 102"/>
+        <p:cNvPr id="134" name="Shape 134"/>
         <p:cNvGrpSpPr/>
         <p:nvPr/>
       </p:nvGrpSpPr>
@@ -10238,7 +12621,7 @@
       </p:grpSpPr>
       <p:sp>
         <p:nvSpPr>
-          <p:cNvPr id="103" name="Google Shape;103;p19"/>
+          <p:cNvPr id="135" name="Google Shape;135;p21"/>
           <p:cNvSpPr txBox="1"/>
           <p:nvPr>
             <p:ph type="title"/>
@@ -10278,7 +12661,7 @@
       </p:sp>
       <p:sp>
         <p:nvSpPr>
-          <p:cNvPr id="104" name="Google Shape;104;p19"/>
+          <p:cNvPr id="136" name="Google Shape;136;p21"/>
           <p:cNvSpPr txBox="1"/>
           <p:nvPr>
             <p:ph idx="1" type="body"/>
@@ -10696,7 +13079,7 @@
       </p:sp>
       <p:pic>
         <p:nvPicPr>
-          <p:cNvPr id="105" name="Google Shape;105;p19">
+          <p:cNvPr id="137" name="Google Shape;137;p21">
             <a:hlinkClick r:id="rId3"/>
           </p:cNvPr>
           <p:cNvPicPr preferRelativeResize="0"/>
@@ -10726,7 +13109,7 @@
       </p:pic>
       <p:pic>
         <p:nvPicPr>
-          <p:cNvPr id="106" name="Google Shape;106;p19">
+          <p:cNvPr id="138" name="Google Shape;138;p21">
             <a:hlinkClick r:id="rId5"/>
           </p:cNvPr>
           <p:cNvPicPr preferRelativeResize="0"/>
@@ -10755,7 +13138,7 @@
       </p:pic>
       <p:pic>
         <p:nvPicPr>
-          <p:cNvPr id="107" name="Google Shape;107;p19">
+          <p:cNvPr id="139" name="Google Shape;139;p21">
             <a:hlinkClick r:id="rId7"/>
           </p:cNvPr>
           <p:cNvPicPr preferRelativeResize="0"/>
@@ -10772,1003 +13155,6 @@
           <a:xfrm>
             <a:off x="5876588" y="4453350"/>
             <a:ext cx="2145375" cy="483675"/>
-          </a:xfrm>
-          <a:prstGeom prst="rect">
-            <a:avLst/>
-          </a:prstGeom>
-          <a:noFill/>
-          <a:ln>
-            <a:noFill/>
-          </a:ln>
-        </p:spPr>
-      </p:pic>
-    </p:spTree>
-  </p:cSld>
-  <p:clrMapOvr>
-    <a:masterClrMapping/>
-  </p:clrMapOvr>
-</p:sld>
-</file>
-
-<file path=ppt/slides/slide8.xml><?xml version="1.0" encoding="utf-8"?>
-<p:sld xmlns:a="http://schemas.openxmlformats.org/drawingml/2006/main" xmlns:r="http://schemas.openxmlformats.org/officeDocument/2006/relationships" xmlns:mc="http://schemas.openxmlformats.org/markup-compatibility/2006" xmlns:mv="urn:schemas-microsoft-com:mac:vml" xmlns:p="http://schemas.openxmlformats.org/presentationml/2006/main" xmlns:c="http://schemas.openxmlformats.org/drawingml/2006/chart" xmlns:dgm="http://schemas.openxmlformats.org/drawingml/2006/diagram" xmlns:o="urn:schemas-microsoft-com:office:office" xmlns:v="urn:schemas-microsoft-com:vml" xmlns:pvml="urn:schemas-microsoft-com:office:powerpoint" xmlns:com="http://schemas.openxmlformats.org/drawingml/2006/compatibility" xmlns:p14="http://schemas.microsoft.com/office/powerpoint/2010/main" xmlns:p15="http://schemas.microsoft.com/office/powerpoint/2012/main" xmlns:ahyp="http://schemas.microsoft.com/office/drawing/2018/hyperlinkcolor">
-  <p:cSld>
-    <p:bg>
-      <p:bgPr>
-        <a:solidFill>
-          <a:schemeClr val="accent1"/>
-        </a:solidFill>
-      </p:bgPr>
-    </p:bg>
-    <p:spTree>
-      <p:nvGrpSpPr>
-        <p:cNvPr id="111" name="Shape 111"/>
-        <p:cNvGrpSpPr/>
-        <p:nvPr/>
-      </p:nvGrpSpPr>
-      <p:grpSpPr>
-        <a:xfrm>
-          <a:off x="0" y="0"/>
-          <a:ext cx="0" cy="0"/>
-          <a:chOff x="0" y="0"/>
-          <a:chExt cx="0" cy="0"/>
-        </a:xfrm>
-      </p:grpSpPr>
-      <p:sp>
-        <p:nvSpPr>
-          <p:cNvPr id="112" name="Google Shape;112;p20"/>
-          <p:cNvSpPr txBox="1"/>
-          <p:nvPr>
-            <p:ph type="title"/>
-          </p:nvPr>
-        </p:nvSpPr>
-        <p:spPr>
-          <a:xfrm>
-            <a:off x="471900" y="738725"/>
-            <a:ext cx="8222100" cy="767700"/>
-          </a:xfrm>
-          <a:prstGeom prst="rect">
-            <a:avLst/>
-          </a:prstGeom>
-        </p:spPr>
-        <p:txBody>
-          <a:bodyPr anchorCtr="0" anchor="b" bIns="91425" lIns="91425" spcFirstLastPara="1" rIns="91425" wrap="square" tIns="91425">
-            <a:normAutofit/>
-          </a:bodyPr>
-          <a:lstStyle/>
-          <a:p>
-            <a:pPr indent="0" lvl="0" marL="0" rtl="0" algn="l">
-              <a:spcBef>
-                <a:spcPts val="0"/>
-              </a:spcBef>
-              <a:spcAft>
-                <a:spcPts val="0"/>
-              </a:spcAft>
-              <a:buNone/>
-            </a:pPr>
-            <a:r>
-              <a:rPr lang="en"/>
-              <a:t>Finding Data - </a:t>
-            </a:r>
-            <a:r>
-              <a:rPr lang="en"/>
-              <a:t>Nonprofits</a:t>
-            </a:r>
-            <a:endParaRPr/>
-          </a:p>
-        </p:txBody>
-      </p:sp>
-      <p:sp>
-        <p:nvSpPr>
-          <p:cNvPr id="113" name="Google Shape;113;p20"/>
-          <p:cNvSpPr txBox="1"/>
-          <p:nvPr>
-            <p:ph idx="1" type="body"/>
-          </p:nvPr>
-        </p:nvSpPr>
-        <p:spPr>
-          <a:xfrm>
-            <a:off x="471900" y="1771600"/>
-            <a:ext cx="8222100" cy="2710200"/>
-          </a:xfrm>
-          <a:prstGeom prst="rect">
-            <a:avLst/>
-          </a:prstGeom>
-        </p:spPr>
-        <p:txBody>
-          <a:bodyPr anchorCtr="0" anchor="t" bIns="91425" lIns="91425" spcFirstLastPara="1" rIns="91425" wrap="square" tIns="91425">
-            <a:normAutofit fontScale="25000" lnSpcReduction="20000"/>
-          </a:bodyPr>
-          <a:lstStyle/>
-          <a:p>
-            <a:pPr indent="-247650" lvl="0" marL="457200" rtl="0" algn="l">
-              <a:spcBef>
-                <a:spcPts val="2900"/>
-              </a:spcBef>
-              <a:spcAft>
-                <a:spcPts val="0"/>
-              </a:spcAft>
-              <a:buClr>
-                <a:srgbClr val="374151"/>
-              </a:buClr>
-              <a:buSzPct val="28735"/>
-              <a:buChar char="●"/>
-            </a:pPr>
-            <a:r>
-              <a:rPr lang="en" sz="4175">
-                <a:solidFill>
-                  <a:srgbClr val="374151"/>
-                </a:solidFill>
-                <a:highlight>
-                  <a:srgbClr val="F7F7F8"/>
-                </a:highlight>
-              </a:rPr>
-              <a:t>These organizations collect and manage data for a wide range of social, environmental, and economic issues.</a:t>
-            </a:r>
-            <a:endParaRPr sz="4175">
-              <a:solidFill>
-                <a:srgbClr val="374151"/>
-              </a:solidFill>
-              <a:highlight>
-                <a:srgbClr val="F7F7F8"/>
-              </a:highlight>
-            </a:endParaRPr>
-          </a:p>
-          <a:p>
-            <a:pPr indent="-247650" lvl="0" marL="457200" rtl="0" algn="l">
-              <a:spcBef>
-                <a:spcPts val="0"/>
-              </a:spcBef>
-              <a:spcAft>
-                <a:spcPts val="0"/>
-              </a:spcAft>
-              <a:buClr>
-                <a:srgbClr val="374151"/>
-              </a:buClr>
-              <a:buSzPct val="28735"/>
-              <a:buChar char="●"/>
-            </a:pPr>
-            <a:r>
-              <a:rPr lang="en" sz="4175">
-                <a:solidFill>
-                  <a:srgbClr val="374151"/>
-                </a:solidFill>
-                <a:highlight>
-                  <a:srgbClr val="F7F7F8"/>
-                </a:highlight>
-              </a:rPr>
-              <a:t>Specialized data: Non-profit organizations often collect data in specific areas of interest, providing specialized and relevant information.</a:t>
-            </a:r>
-            <a:endParaRPr sz="4175">
-              <a:solidFill>
-                <a:srgbClr val="374151"/>
-              </a:solidFill>
-              <a:highlight>
-                <a:srgbClr val="F7F7F8"/>
-              </a:highlight>
-            </a:endParaRPr>
-          </a:p>
-          <a:p>
-            <a:pPr indent="-247650" lvl="0" marL="457200" rtl="0" algn="l">
-              <a:spcBef>
-                <a:spcPts val="0"/>
-              </a:spcBef>
-              <a:spcAft>
-                <a:spcPts val="0"/>
-              </a:spcAft>
-              <a:buClr>
-                <a:srgbClr val="374151"/>
-              </a:buClr>
-              <a:buSzPct val="28735"/>
-              <a:buChar char="●"/>
-            </a:pPr>
-            <a:r>
-              <a:rPr lang="en" sz="4175">
-                <a:solidFill>
-                  <a:srgbClr val="374151"/>
-                </a:solidFill>
-                <a:highlight>
-                  <a:srgbClr val="F7F7F8"/>
-                </a:highlight>
-              </a:rPr>
-              <a:t>Mission-driven data: Non-profit organizations collect data with a specific purpose and mission, ensuring data quality and reliability.</a:t>
-            </a:r>
-            <a:endParaRPr sz="4175">
-              <a:solidFill>
-                <a:srgbClr val="374151"/>
-              </a:solidFill>
-              <a:highlight>
-                <a:srgbClr val="F7F7F8"/>
-              </a:highlight>
-            </a:endParaRPr>
-          </a:p>
-          <a:p>
-            <a:pPr indent="-247650" lvl="0" marL="457200" rtl="0" algn="l">
-              <a:lnSpc>
-                <a:spcPct val="100000"/>
-              </a:lnSpc>
-              <a:spcBef>
-                <a:spcPts val="0"/>
-              </a:spcBef>
-              <a:spcAft>
-                <a:spcPts val="0"/>
-              </a:spcAft>
-              <a:buClr>
-                <a:srgbClr val="374151"/>
-              </a:buClr>
-              <a:buSzPct val="28735"/>
-              <a:buChar char="●"/>
-            </a:pPr>
-            <a:r>
-              <a:rPr lang="en" sz="4175">
-                <a:solidFill>
-                  <a:srgbClr val="374151"/>
-                </a:solidFill>
-                <a:highlight>
-                  <a:srgbClr val="F7F7F8"/>
-                </a:highlight>
-              </a:rPr>
-              <a:t>Free and open access: Many non-profit organizations make their datasets available for free and open access, allowing for greater use and dissemination of the data.</a:t>
-            </a:r>
-            <a:endParaRPr sz="4175">
-              <a:solidFill>
-                <a:srgbClr val="374151"/>
-              </a:solidFill>
-              <a:highlight>
-                <a:srgbClr val="F7F7F8"/>
-              </a:highlight>
-            </a:endParaRPr>
-          </a:p>
-          <a:p>
-            <a:pPr indent="0" lvl="0" marL="0" rtl="0" algn="l">
-              <a:lnSpc>
-                <a:spcPct val="100000"/>
-              </a:lnSpc>
-              <a:spcBef>
-                <a:spcPts val="2900"/>
-              </a:spcBef>
-              <a:spcAft>
-                <a:spcPts val="0"/>
-              </a:spcAft>
-              <a:buNone/>
-            </a:pPr>
-            <a:r>
-              <a:rPr lang="en" sz="4175">
-                <a:solidFill>
-                  <a:srgbClr val="374151"/>
-                </a:solidFill>
-                <a:highlight>
-                  <a:srgbClr val="F7F7F8"/>
-                </a:highlight>
-              </a:rPr>
-              <a:t>Types of Datasets:</a:t>
-            </a:r>
-            <a:endParaRPr sz="1200">
-              <a:solidFill>
-                <a:srgbClr val="374151"/>
-              </a:solidFill>
-              <a:highlight>
-                <a:srgbClr val="F7F7F8"/>
-              </a:highlight>
-            </a:endParaRPr>
-          </a:p>
-          <a:p>
-            <a:pPr indent="-247650" lvl="0" marL="457200" marR="0" rtl="0" algn="l">
-              <a:lnSpc>
-                <a:spcPct val="100000"/>
-              </a:lnSpc>
-              <a:spcBef>
-                <a:spcPts val="2900"/>
-              </a:spcBef>
-              <a:spcAft>
-                <a:spcPts val="0"/>
-              </a:spcAft>
-              <a:buClr>
-                <a:srgbClr val="374151"/>
-              </a:buClr>
-              <a:buSzPct val="28735"/>
-              <a:buChar char="●"/>
-            </a:pPr>
-            <a:r>
-              <a:rPr lang="en" sz="4175">
-                <a:solidFill>
-                  <a:srgbClr val="374151"/>
-                </a:solidFill>
-                <a:highlight>
-                  <a:srgbClr val="F7F7F8"/>
-                </a:highlight>
-              </a:rPr>
-              <a:t>Social issues data: Information on poverty, inequality, education, and more.</a:t>
-            </a:r>
-            <a:endParaRPr sz="4175">
-              <a:solidFill>
-                <a:srgbClr val="374151"/>
-              </a:solidFill>
-              <a:highlight>
-                <a:srgbClr val="F7F7F8"/>
-              </a:highlight>
-            </a:endParaRPr>
-          </a:p>
-          <a:p>
-            <a:pPr indent="-247650" lvl="0" marL="457200" marR="0" rtl="0" algn="l">
-              <a:lnSpc>
-                <a:spcPct val="115000"/>
-              </a:lnSpc>
-              <a:spcBef>
-                <a:spcPts val="0"/>
-              </a:spcBef>
-              <a:spcAft>
-                <a:spcPts val="0"/>
-              </a:spcAft>
-              <a:buClr>
-                <a:srgbClr val="374151"/>
-              </a:buClr>
-              <a:buSzPct val="28735"/>
-              <a:buChar char="●"/>
-            </a:pPr>
-            <a:r>
-              <a:rPr lang="en" sz="4175">
-                <a:solidFill>
-                  <a:srgbClr val="374151"/>
-                </a:solidFill>
-                <a:highlight>
-                  <a:srgbClr val="F7F7F8"/>
-                </a:highlight>
-              </a:rPr>
-              <a:t>Environmental data: Information on sustainability, conservation, and climate change.</a:t>
-            </a:r>
-            <a:endParaRPr sz="4175">
-              <a:solidFill>
-                <a:srgbClr val="374151"/>
-              </a:solidFill>
-              <a:highlight>
-                <a:srgbClr val="F7F7F8"/>
-              </a:highlight>
-            </a:endParaRPr>
-          </a:p>
-          <a:p>
-            <a:pPr indent="-247650" lvl="0" marL="457200" marR="0" rtl="0" algn="l">
-              <a:lnSpc>
-                <a:spcPct val="115000"/>
-              </a:lnSpc>
-              <a:spcBef>
-                <a:spcPts val="0"/>
-              </a:spcBef>
-              <a:spcAft>
-                <a:spcPts val="0"/>
-              </a:spcAft>
-              <a:buClr>
-                <a:srgbClr val="374151"/>
-              </a:buClr>
-              <a:buSzPct val="28735"/>
-              <a:buChar char="●"/>
-            </a:pPr>
-            <a:r>
-              <a:rPr lang="en" sz="4175">
-                <a:solidFill>
-                  <a:srgbClr val="374151"/>
-                </a:solidFill>
-                <a:highlight>
-                  <a:srgbClr val="F7F7F8"/>
-                </a:highlight>
-              </a:rPr>
-              <a:t>Health data: Information on access to healthcare, disease prevalence, and health outcomes.</a:t>
-            </a:r>
-            <a:endParaRPr sz="4175">
-              <a:solidFill>
-                <a:srgbClr val="374151"/>
-              </a:solidFill>
-              <a:highlight>
-                <a:srgbClr val="F7F7F8"/>
-              </a:highlight>
-            </a:endParaRPr>
-          </a:p>
-          <a:p>
-            <a:pPr indent="-247650" lvl="0" marL="457200" marR="0" rtl="0" algn="l">
-              <a:lnSpc>
-                <a:spcPct val="115000"/>
-              </a:lnSpc>
-              <a:spcBef>
-                <a:spcPts val="0"/>
-              </a:spcBef>
-              <a:spcAft>
-                <a:spcPts val="0"/>
-              </a:spcAft>
-              <a:buClr>
-                <a:srgbClr val="374151"/>
-              </a:buClr>
-              <a:buSzPct val="28735"/>
-              <a:buChar char="●"/>
-            </a:pPr>
-            <a:r>
-              <a:rPr lang="en" sz="4175">
-                <a:solidFill>
-                  <a:srgbClr val="374151"/>
-                </a:solidFill>
-                <a:highlight>
-                  <a:srgbClr val="F7F7F8"/>
-                </a:highlight>
-              </a:rPr>
-              <a:t>Human rights data: Information on human rights violations, freedom of expression, and more.</a:t>
-            </a:r>
-            <a:endParaRPr sz="4175">
-              <a:solidFill>
-                <a:srgbClr val="374151"/>
-              </a:solidFill>
-              <a:highlight>
-                <a:srgbClr val="F7F7F8"/>
-              </a:highlight>
-            </a:endParaRPr>
-          </a:p>
-          <a:p>
-            <a:pPr indent="-247650" lvl="0" marL="457200" marR="0" rtl="0" algn="l">
-              <a:lnSpc>
-                <a:spcPct val="115000"/>
-              </a:lnSpc>
-              <a:spcBef>
-                <a:spcPts val="0"/>
-              </a:spcBef>
-              <a:spcAft>
-                <a:spcPts val="0"/>
-              </a:spcAft>
-              <a:buClr>
-                <a:srgbClr val="374151"/>
-              </a:buClr>
-              <a:buSzPct val="28735"/>
-              <a:buChar char="●"/>
-            </a:pPr>
-            <a:r>
-              <a:rPr lang="en" sz="4175">
-                <a:solidFill>
-                  <a:srgbClr val="374151"/>
-                </a:solidFill>
-                <a:highlight>
-                  <a:srgbClr val="F7F7F8"/>
-                </a:highlight>
-              </a:rPr>
-              <a:t>Economic data: Information on income, employment, and economic development.</a:t>
-            </a:r>
-            <a:endParaRPr sz="4175">
-              <a:solidFill>
-                <a:srgbClr val="374151"/>
-              </a:solidFill>
-              <a:highlight>
-                <a:srgbClr val="F7F7F8"/>
-              </a:highlight>
-            </a:endParaRPr>
-          </a:p>
-          <a:p>
-            <a:pPr indent="0" lvl="0" marL="457200" rtl="0" algn="l">
-              <a:spcBef>
-                <a:spcPts val="2900"/>
-              </a:spcBef>
-              <a:spcAft>
-                <a:spcPts val="0"/>
-              </a:spcAft>
-              <a:buNone/>
-            </a:pPr>
-            <a:r>
-              <a:t/>
-            </a:r>
-            <a:endParaRPr sz="1200">
-              <a:solidFill>
-                <a:srgbClr val="374151"/>
-              </a:solidFill>
-              <a:highlight>
-                <a:srgbClr val="F7F7F8"/>
-              </a:highlight>
-            </a:endParaRPr>
-          </a:p>
-          <a:p>
-            <a:pPr indent="0" lvl="0" marL="0" rtl="0" algn="l">
-              <a:spcBef>
-                <a:spcPts val="0"/>
-              </a:spcBef>
-              <a:spcAft>
-                <a:spcPts val="1200"/>
-              </a:spcAft>
-              <a:buNone/>
-            </a:pPr>
-            <a:r>
-              <a:t/>
-            </a:r>
-            <a:endParaRPr/>
-          </a:p>
-        </p:txBody>
-      </p:sp>
-      <p:pic>
-        <p:nvPicPr>
-          <p:cNvPr id="114" name="Google Shape;114;p20">
-            <a:hlinkClick r:id="rId3"/>
-          </p:cNvPr>
-          <p:cNvPicPr preferRelativeResize="0"/>
-          <p:nvPr/>
-        </p:nvPicPr>
-        <p:blipFill rotWithShape="1">
-          <a:blip r:embed="rId4">
-            <a:alphaModFix/>
-          </a:blip>
-          <a:srcRect b="0" l="0" r="64239" t="0"/>
-          <a:stretch/>
-        </p:blipFill>
-        <p:spPr>
-          <a:xfrm>
-            <a:off x="6723471" y="3341925"/>
-            <a:ext cx="2059004" cy="767700"/>
-          </a:xfrm>
-          <a:prstGeom prst="rect">
-            <a:avLst/>
-          </a:prstGeom>
-          <a:noFill/>
-          <a:ln>
-            <a:noFill/>
-          </a:ln>
-        </p:spPr>
-      </p:pic>
-    </p:spTree>
-  </p:cSld>
-  <p:clrMapOvr>
-    <a:masterClrMapping/>
-  </p:clrMapOvr>
-</p:sld>
-</file>
-
-<file path=ppt/slides/slide9.xml><?xml version="1.0" encoding="utf-8"?>
-<p:sld xmlns:a="http://schemas.openxmlformats.org/drawingml/2006/main" xmlns:r="http://schemas.openxmlformats.org/officeDocument/2006/relationships" xmlns:mc="http://schemas.openxmlformats.org/markup-compatibility/2006" xmlns:mv="urn:schemas-microsoft-com:mac:vml" xmlns:p="http://schemas.openxmlformats.org/presentationml/2006/main" xmlns:c="http://schemas.openxmlformats.org/drawingml/2006/chart" xmlns:dgm="http://schemas.openxmlformats.org/drawingml/2006/diagram" xmlns:o="urn:schemas-microsoft-com:office:office" xmlns:v="urn:schemas-microsoft-com:vml" xmlns:pvml="urn:schemas-microsoft-com:office:powerpoint" xmlns:com="http://schemas.openxmlformats.org/drawingml/2006/compatibility" xmlns:p14="http://schemas.microsoft.com/office/powerpoint/2010/main" xmlns:p15="http://schemas.microsoft.com/office/powerpoint/2012/main" xmlns:ahyp="http://schemas.microsoft.com/office/drawing/2018/hyperlinkcolor">
-  <p:cSld>
-    <p:bg>
-      <p:bgPr>
-        <a:solidFill>
-          <a:schemeClr val="accent1"/>
-        </a:solidFill>
-      </p:bgPr>
-    </p:bg>
-    <p:spTree>
-      <p:nvGrpSpPr>
-        <p:cNvPr id="118" name="Shape 118"/>
-        <p:cNvGrpSpPr/>
-        <p:nvPr/>
-      </p:nvGrpSpPr>
-      <p:grpSpPr>
-        <a:xfrm>
-          <a:off x="0" y="0"/>
-          <a:ext cx="0" cy="0"/>
-          <a:chOff x="0" y="0"/>
-          <a:chExt cx="0" cy="0"/>
-        </a:xfrm>
-      </p:grpSpPr>
-      <p:sp>
-        <p:nvSpPr>
-          <p:cNvPr id="119" name="Google Shape;119;p21"/>
-          <p:cNvSpPr txBox="1"/>
-          <p:nvPr>
-            <p:ph type="title"/>
-          </p:nvPr>
-        </p:nvSpPr>
-        <p:spPr>
-          <a:xfrm>
-            <a:off x="471900" y="738725"/>
-            <a:ext cx="8222100" cy="767700"/>
-          </a:xfrm>
-          <a:prstGeom prst="rect">
-            <a:avLst/>
-          </a:prstGeom>
-        </p:spPr>
-        <p:txBody>
-          <a:bodyPr anchorCtr="0" anchor="b" bIns="91425" lIns="91425" spcFirstLastPara="1" rIns="91425" wrap="square" tIns="91425">
-            <a:normAutofit/>
-          </a:bodyPr>
-          <a:lstStyle/>
-          <a:p>
-            <a:pPr indent="0" lvl="0" marL="0" rtl="0" algn="l">
-              <a:spcBef>
-                <a:spcPts val="0"/>
-              </a:spcBef>
-              <a:spcAft>
-                <a:spcPts val="0"/>
-              </a:spcAft>
-              <a:buNone/>
-            </a:pPr>
-            <a:r>
-              <a:rPr lang="en"/>
-              <a:t>Finding Data - Academic Institutions</a:t>
-            </a:r>
-            <a:endParaRPr/>
-          </a:p>
-        </p:txBody>
-      </p:sp>
-      <p:sp>
-        <p:nvSpPr>
-          <p:cNvPr id="120" name="Google Shape;120;p21"/>
-          <p:cNvSpPr txBox="1"/>
-          <p:nvPr>
-            <p:ph idx="1" type="body"/>
-          </p:nvPr>
-        </p:nvSpPr>
-        <p:spPr>
-          <a:xfrm>
-            <a:off x="471900" y="1753900"/>
-            <a:ext cx="8222100" cy="2710200"/>
-          </a:xfrm>
-          <a:prstGeom prst="rect">
-            <a:avLst/>
-          </a:prstGeom>
-        </p:spPr>
-        <p:txBody>
-          <a:bodyPr anchorCtr="0" anchor="t" bIns="91425" lIns="91425" spcFirstLastPara="1" rIns="91425" wrap="square" tIns="91425">
-            <a:normAutofit fontScale="25000" lnSpcReduction="20000"/>
-          </a:bodyPr>
-          <a:lstStyle/>
-          <a:p>
-            <a:pPr indent="-257175" lvl="0" marL="457200" rtl="0" algn="l">
-              <a:spcBef>
-                <a:spcPts val="2900"/>
-              </a:spcBef>
-              <a:spcAft>
-                <a:spcPts val="0"/>
-              </a:spcAft>
-              <a:buClr>
-                <a:srgbClr val="374151"/>
-              </a:buClr>
-              <a:buSzPct val="43103"/>
-              <a:buChar char="●"/>
-            </a:pPr>
-            <a:r>
-              <a:rPr lang="en" sz="4175">
-                <a:solidFill>
-                  <a:srgbClr val="374151"/>
-                </a:solidFill>
-                <a:highlight>
-                  <a:srgbClr val="F7F7F8"/>
-                </a:highlight>
-              </a:rPr>
-              <a:t>Academic institutions are a major source of datasets for research and analysis in various fields of studies.</a:t>
-            </a:r>
-            <a:endParaRPr sz="4175">
-              <a:solidFill>
-                <a:srgbClr val="374151"/>
-              </a:solidFill>
-              <a:highlight>
-                <a:srgbClr val="F7F7F8"/>
-              </a:highlight>
-            </a:endParaRPr>
-          </a:p>
-          <a:p>
-            <a:pPr indent="-257175" lvl="0" marL="457200" rtl="0" algn="l">
-              <a:spcBef>
-                <a:spcPts val="0"/>
-              </a:spcBef>
-              <a:spcAft>
-                <a:spcPts val="0"/>
-              </a:spcAft>
-              <a:buClr>
-                <a:srgbClr val="000000"/>
-              </a:buClr>
-              <a:buSzPct val="43103"/>
-              <a:buChar char="●"/>
-            </a:pPr>
-            <a:r>
-              <a:rPr lang="en" sz="4175">
-                <a:solidFill>
-                  <a:srgbClr val="374151"/>
-                </a:solidFill>
-                <a:highlight>
-                  <a:srgbClr val="F7F7F8"/>
-                </a:highlight>
-              </a:rPr>
-              <a:t>Cutting-edge data: Academic institutions generate and collect data in the latest fields of research and study, providing access to cutting-edge information.</a:t>
-            </a:r>
-            <a:endParaRPr sz="4175">
-              <a:solidFill>
-                <a:srgbClr val="374151"/>
-              </a:solidFill>
-              <a:highlight>
-                <a:srgbClr val="F7F7F8"/>
-              </a:highlight>
-            </a:endParaRPr>
-          </a:p>
-          <a:p>
-            <a:pPr indent="-257175" lvl="0" marL="457200" rtl="0" algn="l">
-              <a:spcBef>
-                <a:spcPts val="0"/>
-              </a:spcBef>
-              <a:spcAft>
-                <a:spcPts val="0"/>
-              </a:spcAft>
-              <a:buClr>
-                <a:srgbClr val="000000"/>
-              </a:buClr>
-              <a:buSzPct val="43103"/>
-              <a:buChar char="●"/>
-            </a:pPr>
-            <a:r>
-              <a:rPr lang="en" sz="4175">
-                <a:solidFill>
-                  <a:srgbClr val="374151"/>
-                </a:solidFill>
-                <a:highlight>
-                  <a:srgbClr val="F7F7F8"/>
-                </a:highlight>
-              </a:rPr>
-              <a:t>High-quality data: Academic institutions have high standards for data quality, reliability, and validity, ensuring the accuracy and validity of the data.</a:t>
-            </a:r>
-            <a:endParaRPr sz="4175">
-              <a:solidFill>
-                <a:srgbClr val="374151"/>
-              </a:solidFill>
-              <a:highlight>
-                <a:srgbClr val="F7F7F8"/>
-              </a:highlight>
-            </a:endParaRPr>
-          </a:p>
-          <a:p>
-            <a:pPr indent="-257175" lvl="0" marL="457200" rtl="0" algn="l">
-              <a:spcBef>
-                <a:spcPts val="0"/>
-              </a:spcBef>
-              <a:spcAft>
-                <a:spcPts val="0"/>
-              </a:spcAft>
-              <a:buClr>
-                <a:srgbClr val="000000"/>
-              </a:buClr>
-              <a:buSzPct val="43103"/>
-              <a:buChar char="●"/>
-            </a:pPr>
-            <a:r>
-              <a:rPr lang="en" sz="4175">
-                <a:solidFill>
-                  <a:srgbClr val="374151"/>
-                </a:solidFill>
-                <a:highlight>
-                  <a:srgbClr val="F7F7F8"/>
-                </a:highlight>
-              </a:rPr>
-              <a:t>Diverse data: Academic institutions collect data from various sources and disciplines, providing a diverse range of data for analysis and study.</a:t>
-            </a:r>
-            <a:endParaRPr>
-              <a:solidFill>
-                <a:srgbClr val="000000"/>
-              </a:solidFill>
-            </a:endParaRPr>
-          </a:p>
-          <a:p>
-            <a:pPr indent="0" lvl="0" marL="0" rtl="0" algn="l">
-              <a:lnSpc>
-                <a:spcPct val="100000"/>
-              </a:lnSpc>
-              <a:spcBef>
-                <a:spcPts val="2900"/>
-              </a:spcBef>
-              <a:spcAft>
-                <a:spcPts val="0"/>
-              </a:spcAft>
-              <a:buNone/>
-            </a:pPr>
-            <a:r>
-              <a:rPr lang="en" sz="4000">
-                <a:solidFill>
-                  <a:srgbClr val="000000"/>
-                </a:solidFill>
-              </a:rPr>
-              <a:t>Types of Datasets:</a:t>
-            </a:r>
-            <a:endParaRPr sz="4000">
-              <a:solidFill>
-                <a:srgbClr val="000000"/>
-              </a:solidFill>
-            </a:endParaRPr>
-          </a:p>
-          <a:p>
-            <a:pPr indent="-292100" lvl="0" marL="457200" rtl="0" algn="l">
-              <a:lnSpc>
-                <a:spcPct val="100000"/>
-              </a:lnSpc>
-              <a:spcBef>
-                <a:spcPts val="2900"/>
-              </a:spcBef>
-              <a:spcAft>
-                <a:spcPts val="0"/>
-              </a:spcAft>
-              <a:buClr>
-                <a:srgbClr val="000000"/>
-              </a:buClr>
-              <a:buSzPct val="95786"/>
-              <a:buChar char="●"/>
-            </a:pPr>
-            <a:r>
-              <a:rPr lang="en" sz="4175">
-                <a:solidFill>
-                  <a:srgbClr val="374151"/>
-                </a:solidFill>
-                <a:highlight>
-                  <a:srgbClr val="F7F7F8"/>
-                </a:highlight>
-              </a:rPr>
-              <a:t>Scientific data: Information on biology, chemistry, physics, and more.</a:t>
-            </a:r>
-            <a:endParaRPr sz="4175">
-              <a:solidFill>
-                <a:srgbClr val="374151"/>
-              </a:solidFill>
-              <a:highlight>
-                <a:srgbClr val="F7F7F8"/>
-              </a:highlight>
-            </a:endParaRPr>
-          </a:p>
-          <a:p>
-            <a:pPr indent="-292100" lvl="0" marL="457200" rtl="0" algn="l">
-              <a:spcBef>
-                <a:spcPts val="0"/>
-              </a:spcBef>
-              <a:spcAft>
-                <a:spcPts val="0"/>
-              </a:spcAft>
-              <a:buClr>
-                <a:srgbClr val="000000"/>
-              </a:buClr>
-              <a:buSzPct val="95786"/>
-              <a:buChar char="●"/>
-            </a:pPr>
-            <a:r>
-              <a:rPr lang="en" sz="4175">
-                <a:solidFill>
-                  <a:srgbClr val="374151"/>
-                </a:solidFill>
-                <a:highlight>
-                  <a:srgbClr val="F7F7F8"/>
-                </a:highlight>
-              </a:rPr>
-              <a:t>Humanities data: Information on history, literature, and culture.</a:t>
-            </a:r>
-            <a:endParaRPr sz="4175">
-              <a:solidFill>
-                <a:srgbClr val="374151"/>
-              </a:solidFill>
-              <a:highlight>
-                <a:srgbClr val="F7F7F8"/>
-              </a:highlight>
-            </a:endParaRPr>
-          </a:p>
-          <a:p>
-            <a:pPr indent="-292100" lvl="0" marL="457200" rtl="0" algn="l">
-              <a:spcBef>
-                <a:spcPts val="0"/>
-              </a:spcBef>
-              <a:spcAft>
-                <a:spcPts val="0"/>
-              </a:spcAft>
-              <a:buClr>
-                <a:srgbClr val="000000"/>
-              </a:buClr>
-              <a:buSzPct val="95786"/>
-              <a:buChar char="●"/>
-            </a:pPr>
-            <a:r>
-              <a:rPr lang="en" sz="4175">
-                <a:solidFill>
-                  <a:srgbClr val="374151"/>
-                </a:solidFill>
-                <a:highlight>
-                  <a:srgbClr val="F7F7F8"/>
-                </a:highlight>
-              </a:rPr>
-              <a:t>Social science data: Information on sociology, psychology, economics, and more.</a:t>
-            </a:r>
-            <a:endParaRPr sz="4175">
-              <a:solidFill>
-                <a:srgbClr val="374151"/>
-              </a:solidFill>
-              <a:highlight>
-                <a:srgbClr val="F7F7F8"/>
-              </a:highlight>
-            </a:endParaRPr>
-          </a:p>
-          <a:p>
-            <a:pPr indent="-292100" lvl="0" marL="457200" rtl="0" algn="l">
-              <a:spcBef>
-                <a:spcPts val="0"/>
-              </a:spcBef>
-              <a:spcAft>
-                <a:spcPts val="0"/>
-              </a:spcAft>
-              <a:buClr>
-                <a:srgbClr val="000000"/>
-              </a:buClr>
-              <a:buSzPct val="95786"/>
-              <a:buChar char="●"/>
-            </a:pPr>
-            <a:r>
-              <a:rPr lang="en" sz="4175">
-                <a:solidFill>
-                  <a:srgbClr val="374151"/>
-                </a:solidFill>
-                <a:highlight>
-                  <a:srgbClr val="F7F7F8"/>
-                </a:highlight>
-              </a:rPr>
-              <a:t>Health data: Information on medical research, health outcomes, and more.</a:t>
-            </a:r>
-            <a:endParaRPr sz="4175">
-              <a:solidFill>
-                <a:srgbClr val="374151"/>
-              </a:solidFill>
-              <a:highlight>
-                <a:srgbClr val="F7F7F8"/>
-              </a:highlight>
-            </a:endParaRPr>
-          </a:p>
-          <a:p>
-            <a:pPr indent="-292100" lvl="0" marL="457200" rtl="0" algn="l">
-              <a:spcBef>
-                <a:spcPts val="0"/>
-              </a:spcBef>
-              <a:spcAft>
-                <a:spcPts val="0"/>
-              </a:spcAft>
-              <a:buClr>
-                <a:srgbClr val="000000"/>
-              </a:buClr>
-              <a:buSzPct val="95786"/>
-              <a:buChar char="●"/>
-            </a:pPr>
-            <a:r>
-              <a:rPr lang="en" sz="4175">
-                <a:solidFill>
-                  <a:srgbClr val="374151"/>
-                </a:solidFill>
-                <a:highlight>
-                  <a:srgbClr val="F7F7F8"/>
-                </a:highlight>
-              </a:rPr>
-              <a:t>Geographical data: Information on geography, maps, and environmental issues.</a:t>
-            </a:r>
-            <a:endParaRPr sz="4175">
-              <a:solidFill>
-                <a:srgbClr val="374151"/>
-              </a:solidFill>
-              <a:highlight>
-                <a:srgbClr val="F7F7F8"/>
-              </a:highlight>
-            </a:endParaRPr>
-          </a:p>
-          <a:p>
-            <a:pPr indent="0" lvl="0" marL="0" rtl="0" algn="l">
-              <a:spcBef>
-                <a:spcPts val="0"/>
-              </a:spcBef>
-              <a:spcAft>
-                <a:spcPts val="1200"/>
-              </a:spcAft>
-              <a:buNone/>
-            </a:pPr>
-            <a:r>
-              <a:t/>
-            </a:r>
-            <a:endParaRPr/>
-          </a:p>
-        </p:txBody>
-      </p:sp>
-      <p:pic>
-        <p:nvPicPr>
-          <p:cNvPr id="121" name="Google Shape;121;p21">
-            <a:hlinkClick r:id="rId3"/>
-          </p:cNvPr>
-          <p:cNvPicPr preferRelativeResize="0"/>
-          <p:nvPr/>
-        </p:nvPicPr>
-        <p:blipFill>
-          <a:blip r:embed="rId4">
-            <a:alphaModFix/>
-          </a:blip>
-          <a:stretch>
-            <a:fillRect/>
-          </a:stretch>
-        </p:blipFill>
-        <p:spPr>
-          <a:xfrm>
-            <a:off x="6386475" y="3353775"/>
-            <a:ext cx="2057436" cy="767700"/>
           </a:xfrm>
           <a:prstGeom prst="rect">
             <a:avLst/>
